--- a/projects/fire-v/doc/figures.pptx
+++ b/projects/fire-v/doc/figures.pptx
@@ -7,6 +7,7 @@
   <p:sldIdLst>
     <p:sldId id="256" r:id="rId2"/>
     <p:sldId id="257" r:id="rId3"/>
+    <p:sldId id="258" r:id="rId4"/>
   </p:sldIdLst>
   <p:sldSz cx="36312475" cy="36018788"/>
   <p:notesSz cx="6858000" cy="9144000"/>
@@ -244,7 +245,7 @@
           <a:p>
             <a:fld id="{5083E361-D3F7-4C7B-9ABD-1BB83C5B161F}" type="datetimeFigureOut">
               <a:rPr lang="en-US" smtClean="0"/>
-              <a:t>1/23/2021</a:t>
+              <a:t>1/24/2021</a:t>
             </a:fld>
             <a:endParaRPr lang="en-US"/>
           </a:p>
@@ -414,7 +415,7 @@
           <a:p>
             <a:fld id="{5083E361-D3F7-4C7B-9ABD-1BB83C5B161F}" type="datetimeFigureOut">
               <a:rPr lang="en-US" smtClean="0"/>
-              <a:t>1/23/2021</a:t>
+              <a:t>1/24/2021</a:t>
             </a:fld>
             <a:endParaRPr lang="en-US"/>
           </a:p>
@@ -594,7 +595,7 @@
           <a:p>
             <a:fld id="{5083E361-D3F7-4C7B-9ABD-1BB83C5B161F}" type="datetimeFigureOut">
               <a:rPr lang="en-US" smtClean="0"/>
-              <a:t>1/23/2021</a:t>
+              <a:t>1/24/2021</a:t>
             </a:fld>
             <a:endParaRPr lang="en-US"/>
           </a:p>
@@ -764,7 +765,7 @@
           <a:p>
             <a:fld id="{5083E361-D3F7-4C7B-9ABD-1BB83C5B161F}" type="datetimeFigureOut">
               <a:rPr lang="en-US" smtClean="0"/>
-              <a:t>1/23/2021</a:t>
+              <a:t>1/24/2021</a:t>
             </a:fld>
             <a:endParaRPr lang="en-US"/>
           </a:p>
@@ -1008,7 +1009,7 @@
           <a:p>
             <a:fld id="{5083E361-D3F7-4C7B-9ABD-1BB83C5B161F}" type="datetimeFigureOut">
               <a:rPr lang="en-US" smtClean="0"/>
-              <a:t>1/23/2021</a:t>
+              <a:t>1/24/2021</a:t>
             </a:fld>
             <a:endParaRPr lang="en-US"/>
           </a:p>
@@ -1240,7 +1241,7 @@
           <a:p>
             <a:fld id="{5083E361-D3F7-4C7B-9ABD-1BB83C5B161F}" type="datetimeFigureOut">
               <a:rPr lang="en-US" smtClean="0"/>
-              <a:t>1/23/2021</a:t>
+              <a:t>1/24/2021</a:t>
             </a:fld>
             <a:endParaRPr lang="en-US"/>
           </a:p>
@@ -1607,7 +1608,7 @@
           <a:p>
             <a:fld id="{5083E361-D3F7-4C7B-9ABD-1BB83C5B161F}" type="datetimeFigureOut">
               <a:rPr lang="en-US" smtClean="0"/>
-              <a:t>1/23/2021</a:t>
+              <a:t>1/24/2021</a:t>
             </a:fld>
             <a:endParaRPr lang="en-US"/>
           </a:p>
@@ -1725,7 +1726,7 @@
           <a:p>
             <a:fld id="{5083E361-D3F7-4C7B-9ABD-1BB83C5B161F}" type="datetimeFigureOut">
               <a:rPr lang="en-US" smtClean="0"/>
-              <a:t>1/23/2021</a:t>
+              <a:t>1/24/2021</a:t>
             </a:fld>
             <a:endParaRPr lang="en-US"/>
           </a:p>
@@ -1820,7 +1821,7 @@
           <a:p>
             <a:fld id="{5083E361-D3F7-4C7B-9ABD-1BB83C5B161F}" type="datetimeFigureOut">
               <a:rPr lang="en-US" smtClean="0"/>
-              <a:t>1/23/2021</a:t>
+              <a:t>1/24/2021</a:t>
             </a:fld>
             <a:endParaRPr lang="en-US"/>
           </a:p>
@@ -2097,7 +2098,7 @@
           <a:p>
             <a:fld id="{5083E361-D3F7-4C7B-9ABD-1BB83C5B161F}" type="datetimeFigureOut">
               <a:rPr lang="en-US" smtClean="0"/>
-              <a:t>1/23/2021</a:t>
+              <a:t>1/24/2021</a:t>
             </a:fld>
             <a:endParaRPr lang="en-US"/>
           </a:p>
@@ -2354,7 +2355,7 @@
           <a:p>
             <a:fld id="{5083E361-D3F7-4C7B-9ABD-1BB83C5B161F}" type="datetimeFigureOut">
               <a:rPr lang="en-US" smtClean="0"/>
-              <a:t>1/23/2021</a:t>
+              <a:t>1/24/2021</a:t>
             </a:fld>
             <a:endParaRPr lang="en-US"/>
           </a:p>
@@ -2567,7 +2568,7 @@
           <a:p>
             <a:fld id="{5083E361-D3F7-4C7B-9ABD-1BB83C5B161F}" type="datetimeFigureOut">
               <a:rPr lang="en-US" smtClean="0"/>
-              <a:t>1/23/2021</a:t>
+              <a:t>1/24/2021</a:t>
             </a:fld>
             <a:endParaRPr lang="en-US"/>
           </a:p>
@@ -6652,6 +6653,2446 @@
 </p:sld>
 </file>
 
+<file path=ppt/slides/slide3.xml><?xml version="1.0" encoding="utf-8"?>
+<p:sld xmlns:a="http://schemas.openxmlformats.org/drawingml/2006/main" xmlns:r="http://schemas.openxmlformats.org/officeDocument/2006/relationships" xmlns:p="http://schemas.openxmlformats.org/presentationml/2006/main">
+  <p:cSld>
+    <p:spTree>
+      <p:nvGrpSpPr>
+        <p:cNvPr id="1" name=""/>
+        <p:cNvGrpSpPr/>
+        <p:nvPr/>
+      </p:nvGrpSpPr>
+      <p:grpSpPr>
+        <a:xfrm>
+          <a:off x="0" y="0"/>
+          <a:ext cx="0" cy="0"/>
+          <a:chOff x="0" y="0"/>
+          <a:chExt cx="0" cy="0"/>
+        </a:xfrm>
+      </p:grpSpPr>
+      <p:graphicFrame>
+        <p:nvGraphicFramePr>
+          <p:cNvPr id="4" name="Table 4">
+            <a:extLst>
+              <a:ext uri="{FF2B5EF4-FFF2-40B4-BE49-F238E27FC236}">
+                <a16:creationId xmlns:a16="http://schemas.microsoft.com/office/drawing/2014/main" id="{235A2A0C-E41F-4C12-BCDA-7484604E22FB}"/>
+              </a:ext>
+            </a:extLst>
+          </p:cNvPr>
+          <p:cNvGraphicFramePr>
+            <a:graphicFrameLocks noGrp="1"/>
+          </p:cNvGraphicFramePr>
+          <p:nvPr>
+            <p:extLst>
+              <p:ext uri="{D42A27DB-BD31-4B8C-83A1-F6EECF244321}">
+                <p14:modId xmlns:p14="http://schemas.microsoft.com/office/powerpoint/2010/main" val="76070081"/>
+              </p:ext>
+            </p:extLst>
+          </p:nvPr>
+        </p:nvGraphicFramePr>
+        <p:xfrm>
+          <a:off x="5698118" y="10382407"/>
+          <a:ext cx="10766778" cy="10766778"/>
+        </p:xfrm>
+        <a:graphic>
+          <a:graphicData uri="http://schemas.openxmlformats.org/drawingml/2006/table">
+            <a:tbl>
+              <a:tblPr>
+                <a:tableStyleId>{5C22544A-7EE6-4342-B048-85BDC9FD1C3A}</a:tableStyleId>
+              </a:tblPr>
+              <a:tblGrid>
+                <a:gridCol w="1794463">
+                  <a:extLst>
+                    <a:ext uri="{9D8B030D-6E8A-4147-A177-3AD203B41FA5}">
+                      <a16:colId xmlns:a16="http://schemas.microsoft.com/office/drawing/2014/main" val="2346232601"/>
+                    </a:ext>
+                  </a:extLst>
+                </a:gridCol>
+                <a:gridCol w="1794463">
+                  <a:extLst>
+                    <a:ext uri="{9D8B030D-6E8A-4147-A177-3AD203B41FA5}">
+                      <a16:colId xmlns:a16="http://schemas.microsoft.com/office/drawing/2014/main" val="2792464132"/>
+                    </a:ext>
+                  </a:extLst>
+                </a:gridCol>
+                <a:gridCol w="1794463">
+                  <a:extLst>
+                    <a:ext uri="{9D8B030D-6E8A-4147-A177-3AD203B41FA5}">
+                      <a16:colId xmlns:a16="http://schemas.microsoft.com/office/drawing/2014/main" val="4259111436"/>
+                    </a:ext>
+                  </a:extLst>
+                </a:gridCol>
+                <a:gridCol w="1794463">
+                  <a:extLst>
+                    <a:ext uri="{9D8B030D-6E8A-4147-A177-3AD203B41FA5}">
+                      <a16:colId xmlns:a16="http://schemas.microsoft.com/office/drawing/2014/main" val="3940588895"/>
+                    </a:ext>
+                  </a:extLst>
+                </a:gridCol>
+                <a:gridCol w="1794463">
+                  <a:extLst>
+                    <a:ext uri="{9D8B030D-6E8A-4147-A177-3AD203B41FA5}">
+                      <a16:colId xmlns:a16="http://schemas.microsoft.com/office/drawing/2014/main" val="2294783803"/>
+                    </a:ext>
+                  </a:extLst>
+                </a:gridCol>
+                <a:gridCol w="1794463">
+                  <a:extLst>
+                    <a:ext uri="{9D8B030D-6E8A-4147-A177-3AD203B41FA5}">
+                      <a16:colId xmlns:a16="http://schemas.microsoft.com/office/drawing/2014/main" val="2505226988"/>
+                    </a:ext>
+                  </a:extLst>
+                </a:gridCol>
+              </a:tblGrid>
+              <a:tr h="1794463">
+                <a:tc>
+                  <a:txBody>
+                    <a:bodyPr/>
+                    <a:lstStyle/>
+                    <a:p>
+                      <a:endParaRPr lang="en-US" sz="10700" dirty="0"/>
+                    </a:p>
+                  </a:txBody>
+                  <a:tcPr marL="136738" marR="136738" marT="68369" marB="68369">
+                    <a:lnL w="12700" cap="flat" cmpd="sng" algn="ctr">
+                      <a:solidFill>
+                        <a:schemeClr val="tx1"/>
+                      </a:solidFill>
+                      <a:prstDash val="solid"/>
+                      <a:round/>
+                      <a:headEnd type="none" w="med" len="med"/>
+                      <a:tailEnd type="none" w="med" len="med"/>
+                    </a:lnL>
+                    <a:lnR w="12700" cap="flat" cmpd="sng" algn="ctr">
+                      <a:solidFill>
+                        <a:schemeClr val="tx1"/>
+                      </a:solidFill>
+                      <a:prstDash val="solid"/>
+                      <a:round/>
+                      <a:headEnd type="none" w="med" len="med"/>
+                      <a:tailEnd type="none" w="med" len="med"/>
+                    </a:lnR>
+                    <a:lnT w="12700" cap="flat" cmpd="sng" algn="ctr">
+                      <a:solidFill>
+                        <a:schemeClr val="tx1"/>
+                      </a:solidFill>
+                      <a:prstDash val="solid"/>
+                      <a:round/>
+                      <a:headEnd type="none" w="med" len="med"/>
+                      <a:tailEnd type="none" w="med" len="med"/>
+                    </a:lnT>
+                    <a:lnB w="12700" cap="flat" cmpd="sng" algn="ctr">
+                      <a:solidFill>
+                        <a:schemeClr val="tx1"/>
+                      </a:solidFill>
+                      <a:prstDash val="solid"/>
+                      <a:round/>
+                      <a:headEnd type="none" w="med" len="med"/>
+                      <a:tailEnd type="none" w="med" len="med"/>
+                    </a:lnB>
+                  </a:tcPr>
+                </a:tc>
+                <a:tc>
+                  <a:txBody>
+                    <a:bodyPr/>
+                    <a:lstStyle/>
+                    <a:p>
+                      <a:endParaRPr lang="en-US" sz="10700"/>
+                    </a:p>
+                  </a:txBody>
+                  <a:tcPr marL="136738" marR="136738" marT="68369" marB="68369">
+                    <a:lnL w="12700" cap="flat" cmpd="sng" algn="ctr">
+                      <a:solidFill>
+                        <a:schemeClr val="tx1"/>
+                      </a:solidFill>
+                      <a:prstDash val="solid"/>
+                      <a:round/>
+                      <a:headEnd type="none" w="med" len="med"/>
+                      <a:tailEnd type="none" w="med" len="med"/>
+                    </a:lnL>
+                    <a:lnR w="12700" cap="flat" cmpd="sng" algn="ctr">
+                      <a:solidFill>
+                        <a:schemeClr val="tx1"/>
+                      </a:solidFill>
+                      <a:prstDash val="solid"/>
+                      <a:round/>
+                      <a:headEnd type="none" w="med" len="med"/>
+                      <a:tailEnd type="none" w="med" len="med"/>
+                    </a:lnR>
+                    <a:lnT w="12700" cap="flat" cmpd="sng" algn="ctr">
+                      <a:solidFill>
+                        <a:schemeClr val="tx1"/>
+                      </a:solidFill>
+                      <a:prstDash val="solid"/>
+                      <a:round/>
+                      <a:headEnd type="none" w="med" len="med"/>
+                      <a:tailEnd type="none" w="med" len="med"/>
+                    </a:lnT>
+                    <a:lnB w="12700" cap="flat" cmpd="sng" algn="ctr">
+                      <a:solidFill>
+                        <a:schemeClr val="tx1"/>
+                      </a:solidFill>
+                      <a:prstDash val="solid"/>
+                      <a:round/>
+                      <a:headEnd type="none" w="med" len="med"/>
+                      <a:tailEnd type="none" w="med" len="med"/>
+                    </a:lnB>
+                  </a:tcPr>
+                </a:tc>
+                <a:tc>
+                  <a:txBody>
+                    <a:bodyPr/>
+                    <a:lstStyle/>
+                    <a:p>
+                      <a:endParaRPr lang="en-US" sz="10700"/>
+                    </a:p>
+                  </a:txBody>
+                  <a:tcPr marL="136738" marR="136738" marT="68369" marB="68369">
+                    <a:lnL w="12700" cap="flat" cmpd="sng" algn="ctr">
+                      <a:solidFill>
+                        <a:schemeClr val="tx1"/>
+                      </a:solidFill>
+                      <a:prstDash val="solid"/>
+                      <a:round/>
+                      <a:headEnd type="none" w="med" len="med"/>
+                      <a:tailEnd type="none" w="med" len="med"/>
+                    </a:lnL>
+                    <a:lnR w="12700" cap="flat" cmpd="sng" algn="ctr">
+                      <a:solidFill>
+                        <a:schemeClr val="tx1"/>
+                      </a:solidFill>
+                      <a:prstDash val="solid"/>
+                      <a:round/>
+                      <a:headEnd type="none" w="med" len="med"/>
+                      <a:tailEnd type="none" w="med" len="med"/>
+                    </a:lnR>
+                    <a:lnT w="12700" cap="flat" cmpd="sng" algn="ctr">
+                      <a:solidFill>
+                        <a:schemeClr val="tx1"/>
+                      </a:solidFill>
+                      <a:prstDash val="solid"/>
+                      <a:round/>
+                      <a:headEnd type="none" w="med" len="med"/>
+                      <a:tailEnd type="none" w="med" len="med"/>
+                    </a:lnT>
+                    <a:lnB w="12700" cap="flat" cmpd="sng" algn="ctr">
+                      <a:solidFill>
+                        <a:schemeClr val="tx1"/>
+                      </a:solidFill>
+                      <a:prstDash val="solid"/>
+                      <a:round/>
+                      <a:headEnd type="none" w="med" len="med"/>
+                      <a:tailEnd type="none" w="med" len="med"/>
+                    </a:lnB>
+                  </a:tcPr>
+                </a:tc>
+                <a:tc>
+                  <a:txBody>
+                    <a:bodyPr/>
+                    <a:lstStyle/>
+                    <a:p>
+                      <a:endParaRPr lang="en-US" sz="10700"/>
+                    </a:p>
+                  </a:txBody>
+                  <a:tcPr marL="136738" marR="136738" marT="68369" marB="68369">
+                    <a:lnL w="12700" cap="flat" cmpd="sng" algn="ctr">
+                      <a:solidFill>
+                        <a:schemeClr val="tx1"/>
+                      </a:solidFill>
+                      <a:prstDash val="solid"/>
+                      <a:round/>
+                      <a:headEnd type="none" w="med" len="med"/>
+                      <a:tailEnd type="none" w="med" len="med"/>
+                    </a:lnL>
+                    <a:lnR w="12700" cap="flat" cmpd="sng" algn="ctr">
+                      <a:solidFill>
+                        <a:schemeClr val="tx1"/>
+                      </a:solidFill>
+                      <a:prstDash val="solid"/>
+                      <a:round/>
+                      <a:headEnd type="none" w="med" len="med"/>
+                      <a:tailEnd type="none" w="med" len="med"/>
+                    </a:lnR>
+                    <a:lnT w="12700" cap="flat" cmpd="sng" algn="ctr">
+                      <a:solidFill>
+                        <a:schemeClr val="tx1"/>
+                      </a:solidFill>
+                      <a:prstDash val="solid"/>
+                      <a:round/>
+                      <a:headEnd type="none" w="med" len="med"/>
+                      <a:tailEnd type="none" w="med" len="med"/>
+                    </a:lnT>
+                    <a:lnB w="12700" cap="flat" cmpd="sng" algn="ctr">
+                      <a:solidFill>
+                        <a:schemeClr val="tx1"/>
+                      </a:solidFill>
+                      <a:prstDash val="solid"/>
+                      <a:round/>
+                      <a:headEnd type="none" w="med" len="med"/>
+                      <a:tailEnd type="none" w="med" len="med"/>
+                    </a:lnB>
+                  </a:tcPr>
+                </a:tc>
+                <a:tc>
+                  <a:txBody>
+                    <a:bodyPr/>
+                    <a:lstStyle/>
+                    <a:p>
+                      <a:endParaRPr lang="en-US" sz="10700"/>
+                    </a:p>
+                  </a:txBody>
+                  <a:tcPr marL="136738" marR="136738" marT="68369" marB="68369">
+                    <a:lnL w="12700" cap="flat" cmpd="sng" algn="ctr">
+                      <a:solidFill>
+                        <a:schemeClr val="tx1"/>
+                      </a:solidFill>
+                      <a:prstDash val="solid"/>
+                      <a:round/>
+                      <a:headEnd type="none" w="med" len="med"/>
+                      <a:tailEnd type="none" w="med" len="med"/>
+                    </a:lnL>
+                    <a:lnR w="12700" cap="flat" cmpd="sng" algn="ctr">
+                      <a:solidFill>
+                        <a:schemeClr val="tx1"/>
+                      </a:solidFill>
+                      <a:prstDash val="solid"/>
+                      <a:round/>
+                      <a:headEnd type="none" w="med" len="med"/>
+                      <a:tailEnd type="none" w="med" len="med"/>
+                    </a:lnR>
+                    <a:lnT w="12700" cap="flat" cmpd="sng" algn="ctr">
+                      <a:solidFill>
+                        <a:schemeClr val="tx1"/>
+                      </a:solidFill>
+                      <a:prstDash val="solid"/>
+                      <a:round/>
+                      <a:headEnd type="none" w="med" len="med"/>
+                      <a:tailEnd type="none" w="med" len="med"/>
+                    </a:lnT>
+                    <a:lnB w="12700" cap="flat" cmpd="sng" algn="ctr">
+                      <a:solidFill>
+                        <a:schemeClr val="tx1"/>
+                      </a:solidFill>
+                      <a:prstDash val="solid"/>
+                      <a:round/>
+                      <a:headEnd type="none" w="med" len="med"/>
+                      <a:tailEnd type="none" w="med" len="med"/>
+                    </a:lnB>
+                  </a:tcPr>
+                </a:tc>
+                <a:tc>
+                  <a:txBody>
+                    <a:bodyPr/>
+                    <a:lstStyle/>
+                    <a:p>
+                      <a:endParaRPr lang="en-US" sz="10700"/>
+                    </a:p>
+                  </a:txBody>
+                  <a:tcPr marL="136738" marR="136738" marT="68369" marB="68369">
+                    <a:lnL w="12700" cap="flat" cmpd="sng" algn="ctr">
+                      <a:solidFill>
+                        <a:schemeClr val="tx1"/>
+                      </a:solidFill>
+                      <a:prstDash val="solid"/>
+                      <a:round/>
+                      <a:headEnd type="none" w="med" len="med"/>
+                      <a:tailEnd type="none" w="med" len="med"/>
+                    </a:lnL>
+                    <a:lnR w="12700" cap="flat" cmpd="sng" algn="ctr">
+                      <a:solidFill>
+                        <a:schemeClr val="tx1"/>
+                      </a:solidFill>
+                      <a:prstDash val="solid"/>
+                      <a:round/>
+                      <a:headEnd type="none" w="med" len="med"/>
+                      <a:tailEnd type="none" w="med" len="med"/>
+                    </a:lnR>
+                    <a:lnT w="12700" cap="flat" cmpd="sng" algn="ctr">
+                      <a:solidFill>
+                        <a:schemeClr val="tx1"/>
+                      </a:solidFill>
+                      <a:prstDash val="solid"/>
+                      <a:round/>
+                      <a:headEnd type="none" w="med" len="med"/>
+                      <a:tailEnd type="none" w="med" len="med"/>
+                    </a:lnT>
+                    <a:lnB w="12700" cap="flat" cmpd="sng" algn="ctr">
+                      <a:solidFill>
+                        <a:schemeClr val="tx1"/>
+                      </a:solidFill>
+                      <a:prstDash val="solid"/>
+                      <a:round/>
+                      <a:headEnd type="none" w="med" len="med"/>
+                      <a:tailEnd type="none" w="med" len="med"/>
+                    </a:lnB>
+                  </a:tcPr>
+                </a:tc>
+                <a:extLst>
+                  <a:ext uri="{0D108BD9-81ED-4DB2-BD59-A6C34878D82A}">
+                    <a16:rowId xmlns:a16="http://schemas.microsoft.com/office/drawing/2014/main" val="144223512"/>
+                  </a:ext>
+                </a:extLst>
+              </a:tr>
+              <a:tr h="1794463">
+                <a:tc>
+                  <a:txBody>
+                    <a:bodyPr/>
+                    <a:lstStyle/>
+                    <a:p>
+                      <a:endParaRPr lang="en-US" sz="10700" dirty="0"/>
+                    </a:p>
+                  </a:txBody>
+                  <a:tcPr marL="136738" marR="136738" marT="68369" marB="68369">
+                    <a:lnL w="12700" cap="flat" cmpd="sng" algn="ctr">
+                      <a:solidFill>
+                        <a:schemeClr val="tx1"/>
+                      </a:solidFill>
+                      <a:prstDash val="solid"/>
+                      <a:round/>
+                      <a:headEnd type="none" w="med" len="med"/>
+                      <a:tailEnd type="none" w="med" len="med"/>
+                    </a:lnL>
+                    <a:lnR w="12700" cap="flat" cmpd="sng" algn="ctr">
+                      <a:solidFill>
+                        <a:schemeClr val="tx1"/>
+                      </a:solidFill>
+                      <a:prstDash val="solid"/>
+                      <a:round/>
+                      <a:headEnd type="none" w="med" len="med"/>
+                      <a:tailEnd type="none" w="med" len="med"/>
+                    </a:lnR>
+                    <a:lnT w="12700" cap="flat" cmpd="sng" algn="ctr">
+                      <a:solidFill>
+                        <a:schemeClr val="tx1"/>
+                      </a:solidFill>
+                      <a:prstDash val="solid"/>
+                      <a:round/>
+                      <a:headEnd type="none" w="med" len="med"/>
+                      <a:tailEnd type="none" w="med" len="med"/>
+                    </a:lnT>
+                    <a:lnB w="12700" cap="flat" cmpd="sng" algn="ctr">
+                      <a:solidFill>
+                        <a:schemeClr val="tx1"/>
+                      </a:solidFill>
+                      <a:prstDash val="solid"/>
+                      <a:round/>
+                      <a:headEnd type="none" w="med" len="med"/>
+                      <a:tailEnd type="none" w="med" len="med"/>
+                    </a:lnB>
+                  </a:tcPr>
+                </a:tc>
+                <a:tc>
+                  <a:txBody>
+                    <a:bodyPr/>
+                    <a:lstStyle/>
+                    <a:p>
+                      <a:endParaRPr lang="en-US" sz="10700" dirty="0"/>
+                    </a:p>
+                  </a:txBody>
+                  <a:tcPr marL="136738" marR="136738" marT="68369" marB="68369">
+                    <a:lnL w="12700" cap="flat" cmpd="sng" algn="ctr">
+                      <a:solidFill>
+                        <a:schemeClr val="tx1"/>
+                      </a:solidFill>
+                      <a:prstDash val="solid"/>
+                      <a:round/>
+                      <a:headEnd type="none" w="med" len="med"/>
+                      <a:tailEnd type="none" w="med" len="med"/>
+                    </a:lnL>
+                    <a:lnR w="12700" cap="flat" cmpd="sng" algn="ctr">
+                      <a:solidFill>
+                        <a:schemeClr val="tx1"/>
+                      </a:solidFill>
+                      <a:prstDash val="solid"/>
+                      <a:round/>
+                      <a:headEnd type="none" w="med" len="med"/>
+                      <a:tailEnd type="none" w="med" len="med"/>
+                    </a:lnR>
+                    <a:lnT w="12700" cap="flat" cmpd="sng" algn="ctr">
+                      <a:solidFill>
+                        <a:schemeClr val="tx1"/>
+                      </a:solidFill>
+                      <a:prstDash val="solid"/>
+                      <a:round/>
+                      <a:headEnd type="none" w="med" len="med"/>
+                      <a:tailEnd type="none" w="med" len="med"/>
+                    </a:lnT>
+                    <a:lnB w="12700" cap="flat" cmpd="sng" algn="ctr">
+                      <a:solidFill>
+                        <a:schemeClr val="tx1"/>
+                      </a:solidFill>
+                      <a:prstDash val="solid"/>
+                      <a:round/>
+                      <a:headEnd type="none" w="med" len="med"/>
+                      <a:tailEnd type="none" w="med" len="med"/>
+                    </a:lnB>
+                  </a:tcPr>
+                </a:tc>
+                <a:tc>
+                  <a:txBody>
+                    <a:bodyPr/>
+                    <a:lstStyle/>
+                    <a:p>
+                      <a:endParaRPr lang="en-US" sz="10700" dirty="0"/>
+                    </a:p>
+                  </a:txBody>
+                  <a:tcPr marL="136738" marR="136738" marT="68369" marB="68369">
+                    <a:lnL w="12700" cap="flat" cmpd="sng" algn="ctr">
+                      <a:solidFill>
+                        <a:schemeClr val="tx1"/>
+                      </a:solidFill>
+                      <a:prstDash val="solid"/>
+                      <a:round/>
+                      <a:headEnd type="none" w="med" len="med"/>
+                      <a:tailEnd type="none" w="med" len="med"/>
+                    </a:lnL>
+                    <a:lnR w="12700" cap="flat" cmpd="sng" algn="ctr">
+                      <a:solidFill>
+                        <a:schemeClr val="tx1"/>
+                      </a:solidFill>
+                      <a:prstDash val="solid"/>
+                      <a:round/>
+                      <a:headEnd type="none" w="med" len="med"/>
+                      <a:tailEnd type="none" w="med" len="med"/>
+                    </a:lnR>
+                    <a:lnT w="12700" cap="flat" cmpd="sng" algn="ctr">
+                      <a:solidFill>
+                        <a:schemeClr val="tx1"/>
+                      </a:solidFill>
+                      <a:prstDash val="solid"/>
+                      <a:round/>
+                      <a:headEnd type="none" w="med" len="med"/>
+                      <a:tailEnd type="none" w="med" len="med"/>
+                    </a:lnT>
+                    <a:lnB w="12700" cap="flat" cmpd="sng" algn="ctr">
+                      <a:solidFill>
+                        <a:schemeClr val="tx1"/>
+                      </a:solidFill>
+                      <a:prstDash val="solid"/>
+                      <a:round/>
+                      <a:headEnd type="none" w="med" len="med"/>
+                      <a:tailEnd type="none" w="med" len="med"/>
+                    </a:lnB>
+                  </a:tcPr>
+                </a:tc>
+                <a:tc>
+                  <a:txBody>
+                    <a:bodyPr/>
+                    <a:lstStyle/>
+                    <a:p>
+                      <a:endParaRPr lang="en-US" sz="10700"/>
+                    </a:p>
+                  </a:txBody>
+                  <a:tcPr marL="136738" marR="136738" marT="68369" marB="68369">
+                    <a:lnL w="12700" cap="flat" cmpd="sng" algn="ctr">
+                      <a:solidFill>
+                        <a:schemeClr val="tx1"/>
+                      </a:solidFill>
+                      <a:prstDash val="solid"/>
+                      <a:round/>
+                      <a:headEnd type="none" w="med" len="med"/>
+                      <a:tailEnd type="none" w="med" len="med"/>
+                    </a:lnL>
+                    <a:lnR w="12700" cap="flat" cmpd="sng" algn="ctr">
+                      <a:solidFill>
+                        <a:schemeClr val="tx1"/>
+                      </a:solidFill>
+                      <a:prstDash val="solid"/>
+                      <a:round/>
+                      <a:headEnd type="none" w="med" len="med"/>
+                      <a:tailEnd type="none" w="med" len="med"/>
+                    </a:lnR>
+                    <a:lnT w="12700" cap="flat" cmpd="sng" algn="ctr">
+                      <a:solidFill>
+                        <a:schemeClr val="tx1"/>
+                      </a:solidFill>
+                      <a:prstDash val="solid"/>
+                      <a:round/>
+                      <a:headEnd type="none" w="med" len="med"/>
+                      <a:tailEnd type="none" w="med" len="med"/>
+                    </a:lnT>
+                    <a:lnB w="12700" cap="flat" cmpd="sng" algn="ctr">
+                      <a:solidFill>
+                        <a:schemeClr val="tx1"/>
+                      </a:solidFill>
+                      <a:prstDash val="solid"/>
+                      <a:round/>
+                      <a:headEnd type="none" w="med" len="med"/>
+                      <a:tailEnd type="none" w="med" len="med"/>
+                    </a:lnB>
+                  </a:tcPr>
+                </a:tc>
+                <a:tc>
+                  <a:txBody>
+                    <a:bodyPr/>
+                    <a:lstStyle/>
+                    <a:p>
+                      <a:endParaRPr lang="en-US" sz="10700"/>
+                    </a:p>
+                  </a:txBody>
+                  <a:tcPr marL="136738" marR="136738" marT="68369" marB="68369">
+                    <a:lnL w="12700" cap="flat" cmpd="sng" algn="ctr">
+                      <a:solidFill>
+                        <a:schemeClr val="tx1"/>
+                      </a:solidFill>
+                      <a:prstDash val="solid"/>
+                      <a:round/>
+                      <a:headEnd type="none" w="med" len="med"/>
+                      <a:tailEnd type="none" w="med" len="med"/>
+                    </a:lnL>
+                    <a:lnR w="12700" cap="flat" cmpd="sng" algn="ctr">
+                      <a:solidFill>
+                        <a:schemeClr val="tx1"/>
+                      </a:solidFill>
+                      <a:prstDash val="solid"/>
+                      <a:round/>
+                      <a:headEnd type="none" w="med" len="med"/>
+                      <a:tailEnd type="none" w="med" len="med"/>
+                    </a:lnR>
+                    <a:lnT w="12700" cap="flat" cmpd="sng" algn="ctr">
+                      <a:solidFill>
+                        <a:schemeClr val="tx1"/>
+                      </a:solidFill>
+                      <a:prstDash val="solid"/>
+                      <a:round/>
+                      <a:headEnd type="none" w="med" len="med"/>
+                      <a:tailEnd type="none" w="med" len="med"/>
+                    </a:lnT>
+                    <a:lnB w="12700" cap="flat" cmpd="sng" algn="ctr">
+                      <a:solidFill>
+                        <a:schemeClr val="tx1"/>
+                      </a:solidFill>
+                      <a:prstDash val="solid"/>
+                      <a:round/>
+                      <a:headEnd type="none" w="med" len="med"/>
+                      <a:tailEnd type="none" w="med" len="med"/>
+                    </a:lnB>
+                  </a:tcPr>
+                </a:tc>
+                <a:tc>
+                  <a:txBody>
+                    <a:bodyPr/>
+                    <a:lstStyle/>
+                    <a:p>
+                      <a:endParaRPr lang="en-US" sz="10700"/>
+                    </a:p>
+                  </a:txBody>
+                  <a:tcPr marL="136738" marR="136738" marT="68369" marB="68369">
+                    <a:lnL w="12700" cap="flat" cmpd="sng" algn="ctr">
+                      <a:solidFill>
+                        <a:schemeClr val="tx1"/>
+                      </a:solidFill>
+                      <a:prstDash val="solid"/>
+                      <a:round/>
+                      <a:headEnd type="none" w="med" len="med"/>
+                      <a:tailEnd type="none" w="med" len="med"/>
+                    </a:lnL>
+                    <a:lnR w="12700" cap="flat" cmpd="sng" algn="ctr">
+                      <a:solidFill>
+                        <a:schemeClr val="tx1"/>
+                      </a:solidFill>
+                      <a:prstDash val="solid"/>
+                      <a:round/>
+                      <a:headEnd type="none" w="med" len="med"/>
+                      <a:tailEnd type="none" w="med" len="med"/>
+                    </a:lnR>
+                    <a:lnT w="12700" cap="flat" cmpd="sng" algn="ctr">
+                      <a:solidFill>
+                        <a:schemeClr val="tx1"/>
+                      </a:solidFill>
+                      <a:prstDash val="solid"/>
+                      <a:round/>
+                      <a:headEnd type="none" w="med" len="med"/>
+                      <a:tailEnd type="none" w="med" len="med"/>
+                    </a:lnT>
+                    <a:lnB w="12700" cap="flat" cmpd="sng" algn="ctr">
+                      <a:solidFill>
+                        <a:schemeClr val="tx1"/>
+                      </a:solidFill>
+                      <a:prstDash val="solid"/>
+                      <a:round/>
+                      <a:headEnd type="none" w="med" len="med"/>
+                      <a:tailEnd type="none" w="med" len="med"/>
+                    </a:lnB>
+                  </a:tcPr>
+                </a:tc>
+                <a:extLst>
+                  <a:ext uri="{0D108BD9-81ED-4DB2-BD59-A6C34878D82A}">
+                    <a16:rowId xmlns:a16="http://schemas.microsoft.com/office/drawing/2014/main" val="1986450828"/>
+                  </a:ext>
+                </a:extLst>
+              </a:tr>
+              <a:tr h="1794463">
+                <a:tc>
+                  <a:txBody>
+                    <a:bodyPr/>
+                    <a:lstStyle/>
+                    <a:p>
+                      <a:endParaRPr lang="en-US" sz="10700"/>
+                    </a:p>
+                  </a:txBody>
+                  <a:tcPr marL="136738" marR="136738" marT="68369" marB="68369">
+                    <a:lnL w="12700" cap="flat" cmpd="sng" algn="ctr">
+                      <a:solidFill>
+                        <a:schemeClr val="tx1"/>
+                      </a:solidFill>
+                      <a:prstDash val="solid"/>
+                      <a:round/>
+                      <a:headEnd type="none" w="med" len="med"/>
+                      <a:tailEnd type="none" w="med" len="med"/>
+                    </a:lnL>
+                    <a:lnR w="12700" cap="flat" cmpd="sng" algn="ctr">
+                      <a:solidFill>
+                        <a:schemeClr val="tx1"/>
+                      </a:solidFill>
+                      <a:prstDash val="solid"/>
+                      <a:round/>
+                      <a:headEnd type="none" w="med" len="med"/>
+                      <a:tailEnd type="none" w="med" len="med"/>
+                    </a:lnR>
+                    <a:lnT w="12700" cap="flat" cmpd="sng" algn="ctr">
+                      <a:solidFill>
+                        <a:schemeClr val="tx1"/>
+                      </a:solidFill>
+                      <a:prstDash val="solid"/>
+                      <a:round/>
+                      <a:headEnd type="none" w="med" len="med"/>
+                      <a:tailEnd type="none" w="med" len="med"/>
+                    </a:lnT>
+                    <a:lnB w="12700" cap="flat" cmpd="sng" algn="ctr">
+                      <a:solidFill>
+                        <a:schemeClr val="tx1"/>
+                      </a:solidFill>
+                      <a:prstDash val="solid"/>
+                      <a:round/>
+                      <a:headEnd type="none" w="med" len="med"/>
+                      <a:tailEnd type="none" w="med" len="med"/>
+                    </a:lnB>
+                  </a:tcPr>
+                </a:tc>
+                <a:tc>
+                  <a:txBody>
+                    <a:bodyPr/>
+                    <a:lstStyle/>
+                    <a:p>
+                      <a:endParaRPr lang="en-US" sz="10700"/>
+                    </a:p>
+                  </a:txBody>
+                  <a:tcPr marL="136738" marR="136738" marT="68369" marB="68369">
+                    <a:lnL w="12700" cap="flat" cmpd="sng" algn="ctr">
+                      <a:solidFill>
+                        <a:schemeClr val="tx1"/>
+                      </a:solidFill>
+                      <a:prstDash val="solid"/>
+                      <a:round/>
+                      <a:headEnd type="none" w="med" len="med"/>
+                      <a:tailEnd type="none" w="med" len="med"/>
+                    </a:lnL>
+                    <a:lnR w="12700" cap="flat" cmpd="sng" algn="ctr">
+                      <a:solidFill>
+                        <a:schemeClr val="tx1"/>
+                      </a:solidFill>
+                      <a:prstDash val="solid"/>
+                      <a:round/>
+                      <a:headEnd type="none" w="med" len="med"/>
+                      <a:tailEnd type="none" w="med" len="med"/>
+                    </a:lnR>
+                    <a:lnT w="12700" cap="flat" cmpd="sng" algn="ctr">
+                      <a:solidFill>
+                        <a:schemeClr val="tx1"/>
+                      </a:solidFill>
+                      <a:prstDash val="solid"/>
+                      <a:round/>
+                      <a:headEnd type="none" w="med" len="med"/>
+                      <a:tailEnd type="none" w="med" len="med"/>
+                    </a:lnT>
+                    <a:lnB w="12700" cap="flat" cmpd="sng" algn="ctr">
+                      <a:solidFill>
+                        <a:schemeClr val="tx1"/>
+                      </a:solidFill>
+                      <a:prstDash val="solid"/>
+                      <a:round/>
+                      <a:headEnd type="none" w="med" len="med"/>
+                      <a:tailEnd type="none" w="med" len="med"/>
+                    </a:lnB>
+                  </a:tcPr>
+                </a:tc>
+                <a:tc>
+                  <a:txBody>
+                    <a:bodyPr/>
+                    <a:lstStyle/>
+                    <a:p>
+                      <a:endParaRPr lang="en-US" sz="10700" dirty="0"/>
+                    </a:p>
+                  </a:txBody>
+                  <a:tcPr marL="136738" marR="136738" marT="68369" marB="68369">
+                    <a:lnL w="12700" cap="flat" cmpd="sng" algn="ctr">
+                      <a:solidFill>
+                        <a:schemeClr val="tx1"/>
+                      </a:solidFill>
+                      <a:prstDash val="solid"/>
+                      <a:round/>
+                      <a:headEnd type="none" w="med" len="med"/>
+                      <a:tailEnd type="none" w="med" len="med"/>
+                    </a:lnL>
+                    <a:lnR w="12700" cap="flat" cmpd="sng" algn="ctr">
+                      <a:solidFill>
+                        <a:schemeClr val="tx1"/>
+                      </a:solidFill>
+                      <a:prstDash val="solid"/>
+                      <a:round/>
+                      <a:headEnd type="none" w="med" len="med"/>
+                      <a:tailEnd type="none" w="med" len="med"/>
+                    </a:lnR>
+                    <a:lnT w="12700" cap="flat" cmpd="sng" algn="ctr">
+                      <a:solidFill>
+                        <a:schemeClr val="tx1"/>
+                      </a:solidFill>
+                      <a:prstDash val="solid"/>
+                      <a:round/>
+                      <a:headEnd type="none" w="med" len="med"/>
+                      <a:tailEnd type="none" w="med" len="med"/>
+                    </a:lnT>
+                    <a:lnB w="12700" cap="flat" cmpd="sng" algn="ctr">
+                      <a:solidFill>
+                        <a:schemeClr val="tx1"/>
+                      </a:solidFill>
+                      <a:prstDash val="solid"/>
+                      <a:round/>
+                      <a:headEnd type="none" w="med" len="med"/>
+                      <a:tailEnd type="none" w="med" len="med"/>
+                    </a:lnB>
+                  </a:tcPr>
+                </a:tc>
+                <a:tc>
+                  <a:txBody>
+                    <a:bodyPr/>
+                    <a:lstStyle/>
+                    <a:p>
+                      <a:endParaRPr lang="en-US" sz="10700" dirty="0"/>
+                    </a:p>
+                  </a:txBody>
+                  <a:tcPr marL="136738" marR="136738" marT="68369" marB="68369">
+                    <a:lnL w="12700" cap="flat" cmpd="sng" algn="ctr">
+                      <a:solidFill>
+                        <a:schemeClr val="tx1"/>
+                      </a:solidFill>
+                      <a:prstDash val="solid"/>
+                      <a:round/>
+                      <a:headEnd type="none" w="med" len="med"/>
+                      <a:tailEnd type="none" w="med" len="med"/>
+                    </a:lnL>
+                    <a:lnR w="12700" cap="flat" cmpd="sng" algn="ctr">
+                      <a:solidFill>
+                        <a:schemeClr val="tx1"/>
+                      </a:solidFill>
+                      <a:prstDash val="solid"/>
+                      <a:round/>
+                      <a:headEnd type="none" w="med" len="med"/>
+                      <a:tailEnd type="none" w="med" len="med"/>
+                    </a:lnR>
+                    <a:lnT w="12700" cap="flat" cmpd="sng" algn="ctr">
+                      <a:solidFill>
+                        <a:schemeClr val="tx1"/>
+                      </a:solidFill>
+                      <a:prstDash val="solid"/>
+                      <a:round/>
+                      <a:headEnd type="none" w="med" len="med"/>
+                      <a:tailEnd type="none" w="med" len="med"/>
+                    </a:lnT>
+                    <a:lnB w="12700" cap="flat" cmpd="sng" algn="ctr">
+                      <a:solidFill>
+                        <a:schemeClr val="tx1"/>
+                      </a:solidFill>
+                      <a:prstDash val="solid"/>
+                      <a:round/>
+                      <a:headEnd type="none" w="med" len="med"/>
+                      <a:tailEnd type="none" w="med" len="med"/>
+                    </a:lnB>
+                  </a:tcPr>
+                </a:tc>
+                <a:tc>
+                  <a:txBody>
+                    <a:bodyPr/>
+                    <a:lstStyle/>
+                    <a:p>
+                      <a:endParaRPr lang="en-US" sz="10700" dirty="0"/>
+                    </a:p>
+                  </a:txBody>
+                  <a:tcPr marL="136738" marR="136738" marT="68369" marB="68369">
+                    <a:lnL w="12700" cap="flat" cmpd="sng" algn="ctr">
+                      <a:solidFill>
+                        <a:schemeClr val="tx1"/>
+                      </a:solidFill>
+                      <a:prstDash val="solid"/>
+                      <a:round/>
+                      <a:headEnd type="none" w="med" len="med"/>
+                      <a:tailEnd type="none" w="med" len="med"/>
+                    </a:lnL>
+                    <a:lnR w="12700" cap="flat" cmpd="sng" algn="ctr">
+                      <a:solidFill>
+                        <a:schemeClr val="tx1"/>
+                      </a:solidFill>
+                      <a:prstDash val="solid"/>
+                      <a:round/>
+                      <a:headEnd type="none" w="med" len="med"/>
+                      <a:tailEnd type="none" w="med" len="med"/>
+                    </a:lnR>
+                    <a:lnT w="12700" cap="flat" cmpd="sng" algn="ctr">
+                      <a:solidFill>
+                        <a:schemeClr val="tx1"/>
+                      </a:solidFill>
+                      <a:prstDash val="solid"/>
+                      <a:round/>
+                      <a:headEnd type="none" w="med" len="med"/>
+                      <a:tailEnd type="none" w="med" len="med"/>
+                    </a:lnT>
+                    <a:lnB w="12700" cap="flat" cmpd="sng" algn="ctr">
+                      <a:solidFill>
+                        <a:schemeClr val="tx1"/>
+                      </a:solidFill>
+                      <a:prstDash val="solid"/>
+                      <a:round/>
+                      <a:headEnd type="none" w="med" len="med"/>
+                      <a:tailEnd type="none" w="med" len="med"/>
+                    </a:lnB>
+                  </a:tcPr>
+                </a:tc>
+                <a:tc>
+                  <a:txBody>
+                    <a:bodyPr/>
+                    <a:lstStyle/>
+                    <a:p>
+                      <a:endParaRPr lang="en-US" sz="10700"/>
+                    </a:p>
+                  </a:txBody>
+                  <a:tcPr marL="136738" marR="136738" marT="68369" marB="68369">
+                    <a:lnL w="12700" cap="flat" cmpd="sng" algn="ctr">
+                      <a:solidFill>
+                        <a:schemeClr val="tx1"/>
+                      </a:solidFill>
+                      <a:prstDash val="solid"/>
+                      <a:round/>
+                      <a:headEnd type="none" w="med" len="med"/>
+                      <a:tailEnd type="none" w="med" len="med"/>
+                    </a:lnL>
+                    <a:lnR w="12700" cap="flat" cmpd="sng" algn="ctr">
+                      <a:solidFill>
+                        <a:schemeClr val="tx1"/>
+                      </a:solidFill>
+                      <a:prstDash val="solid"/>
+                      <a:round/>
+                      <a:headEnd type="none" w="med" len="med"/>
+                      <a:tailEnd type="none" w="med" len="med"/>
+                    </a:lnR>
+                    <a:lnT w="12700" cap="flat" cmpd="sng" algn="ctr">
+                      <a:solidFill>
+                        <a:schemeClr val="tx1"/>
+                      </a:solidFill>
+                      <a:prstDash val="solid"/>
+                      <a:round/>
+                      <a:headEnd type="none" w="med" len="med"/>
+                      <a:tailEnd type="none" w="med" len="med"/>
+                    </a:lnT>
+                    <a:lnB w="12700" cap="flat" cmpd="sng" algn="ctr">
+                      <a:solidFill>
+                        <a:schemeClr val="tx1"/>
+                      </a:solidFill>
+                      <a:prstDash val="solid"/>
+                      <a:round/>
+                      <a:headEnd type="none" w="med" len="med"/>
+                      <a:tailEnd type="none" w="med" len="med"/>
+                    </a:lnB>
+                  </a:tcPr>
+                </a:tc>
+                <a:extLst>
+                  <a:ext uri="{0D108BD9-81ED-4DB2-BD59-A6C34878D82A}">
+                    <a16:rowId xmlns:a16="http://schemas.microsoft.com/office/drawing/2014/main" val="3212950144"/>
+                  </a:ext>
+                </a:extLst>
+              </a:tr>
+              <a:tr h="1794463">
+                <a:tc>
+                  <a:txBody>
+                    <a:bodyPr/>
+                    <a:lstStyle/>
+                    <a:p>
+                      <a:endParaRPr lang="en-US" sz="10700"/>
+                    </a:p>
+                  </a:txBody>
+                  <a:tcPr marL="136738" marR="136738" marT="68369" marB="68369">
+                    <a:lnL w="12700" cap="flat" cmpd="sng" algn="ctr">
+                      <a:solidFill>
+                        <a:schemeClr val="tx1"/>
+                      </a:solidFill>
+                      <a:prstDash val="solid"/>
+                      <a:round/>
+                      <a:headEnd type="none" w="med" len="med"/>
+                      <a:tailEnd type="none" w="med" len="med"/>
+                    </a:lnL>
+                    <a:lnR w="12700" cap="flat" cmpd="sng" algn="ctr">
+                      <a:solidFill>
+                        <a:schemeClr val="tx1"/>
+                      </a:solidFill>
+                      <a:prstDash val="solid"/>
+                      <a:round/>
+                      <a:headEnd type="none" w="med" len="med"/>
+                      <a:tailEnd type="none" w="med" len="med"/>
+                    </a:lnR>
+                    <a:lnT w="12700" cap="flat" cmpd="sng" algn="ctr">
+                      <a:solidFill>
+                        <a:schemeClr val="tx1"/>
+                      </a:solidFill>
+                      <a:prstDash val="solid"/>
+                      <a:round/>
+                      <a:headEnd type="none" w="med" len="med"/>
+                      <a:tailEnd type="none" w="med" len="med"/>
+                    </a:lnT>
+                    <a:lnB w="12700" cap="flat" cmpd="sng" algn="ctr">
+                      <a:solidFill>
+                        <a:schemeClr val="tx1"/>
+                      </a:solidFill>
+                      <a:prstDash val="solid"/>
+                      <a:round/>
+                      <a:headEnd type="none" w="med" len="med"/>
+                      <a:tailEnd type="none" w="med" len="med"/>
+                    </a:lnB>
+                  </a:tcPr>
+                </a:tc>
+                <a:tc>
+                  <a:txBody>
+                    <a:bodyPr/>
+                    <a:lstStyle/>
+                    <a:p>
+                      <a:endParaRPr lang="en-US" sz="10700" dirty="0"/>
+                    </a:p>
+                  </a:txBody>
+                  <a:tcPr marL="136738" marR="136738" marT="68369" marB="68369">
+                    <a:lnL w="12700" cap="flat" cmpd="sng" algn="ctr">
+                      <a:solidFill>
+                        <a:schemeClr val="tx1"/>
+                      </a:solidFill>
+                      <a:prstDash val="solid"/>
+                      <a:round/>
+                      <a:headEnd type="none" w="med" len="med"/>
+                      <a:tailEnd type="none" w="med" len="med"/>
+                    </a:lnL>
+                    <a:lnR w="12700" cap="flat" cmpd="sng" algn="ctr">
+                      <a:solidFill>
+                        <a:schemeClr val="tx1"/>
+                      </a:solidFill>
+                      <a:prstDash val="solid"/>
+                      <a:round/>
+                      <a:headEnd type="none" w="med" len="med"/>
+                      <a:tailEnd type="none" w="med" len="med"/>
+                    </a:lnR>
+                    <a:lnT w="12700" cap="flat" cmpd="sng" algn="ctr">
+                      <a:solidFill>
+                        <a:schemeClr val="tx1"/>
+                      </a:solidFill>
+                      <a:prstDash val="solid"/>
+                      <a:round/>
+                      <a:headEnd type="none" w="med" len="med"/>
+                      <a:tailEnd type="none" w="med" len="med"/>
+                    </a:lnT>
+                    <a:lnB w="12700" cap="flat" cmpd="sng" algn="ctr">
+                      <a:solidFill>
+                        <a:schemeClr val="tx1"/>
+                      </a:solidFill>
+                      <a:prstDash val="solid"/>
+                      <a:round/>
+                      <a:headEnd type="none" w="med" len="med"/>
+                      <a:tailEnd type="none" w="med" len="med"/>
+                    </a:lnB>
+                  </a:tcPr>
+                </a:tc>
+                <a:tc>
+                  <a:txBody>
+                    <a:bodyPr/>
+                    <a:lstStyle/>
+                    <a:p>
+                      <a:endParaRPr lang="en-US" sz="10700" dirty="0"/>
+                    </a:p>
+                  </a:txBody>
+                  <a:tcPr marL="136738" marR="136738" marT="68369" marB="68369">
+                    <a:lnL w="12700" cap="flat" cmpd="sng" algn="ctr">
+                      <a:solidFill>
+                        <a:schemeClr val="tx1"/>
+                      </a:solidFill>
+                      <a:prstDash val="solid"/>
+                      <a:round/>
+                      <a:headEnd type="none" w="med" len="med"/>
+                      <a:tailEnd type="none" w="med" len="med"/>
+                    </a:lnL>
+                    <a:lnR w="12700" cap="flat" cmpd="sng" algn="ctr">
+                      <a:solidFill>
+                        <a:schemeClr val="tx1"/>
+                      </a:solidFill>
+                      <a:prstDash val="solid"/>
+                      <a:round/>
+                      <a:headEnd type="none" w="med" len="med"/>
+                      <a:tailEnd type="none" w="med" len="med"/>
+                    </a:lnR>
+                    <a:lnT w="12700" cap="flat" cmpd="sng" algn="ctr">
+                      <a:solidFill>
+                        <a:schemeClr val="tx1"/>
+                      </a:solidFill>
+                      <a:prstDash val="solid"/>
+                      <a:round/>
+                      <a:headEnd type="none" w="med" len="med"/>
+                      <a:tailEnd type="none" w="med" len="med"/>
+                    </a:lnT>
+                    <a:lnB w="12700" cap="flat" cmpd="sng" algn="ctr">
+                      <a:solidFill>
+                        <a:schemeClr val="tx1"/>
+                      </a:solidFill>
+                      <a:prstDash val="solid"/>
+                      <a:round/>
+                      <a:headEnd type="none" w="med" len="med"/>
+                      <a:tailEnd type="none" w="med" len="med"/>
+                    </a:lnB>
+                  </a:tcPr>
+                </a:tc>
+                <a:tc>
+                  <a:txBody>
+                    <a:bodyPr/>
+                    <a:lstStyle/>
+                    <a:p>
+                      <a:endParaRPr lang="en-US" sz="10700"/>
+                    </a:p>
+                  </a:txBody>
+                  <a:tcPr marL="136738" marR="136738" marT="68369" marB="68369">
+                    <a:lnL w="12700" cap="flat" cmpd="sng" algn="ctr">
+                      <a:solidFill>
+                        <a:schemeClr val="tx1"/>
+                      </a:solidFill>
+                      <a:prstDash val="solid"/>
+                      <a:round/>
+                      <a:headEnd type="none" w="med" len="med"/>
+                      <a:tailEnd type="none" w="med" len="med"/>
+                    </a:lnL>
+                    <a:lnR w="12700" cap="flat" cmpd="sng" algn="ctr">
+                      <a:solidFill>
+                        <a:schemeClr val="tx1"/>
+                      </a:solidFill>
+                      <a:prstDash val="solid"/>
+                      <a:round/>
+                      <a:headEnd type="none" w="med" len="med"/>
+                      <a:tailEnd type="none" w="med" len="med"/>
+                    </a:lnR>
+                    <a:lnT w="12700" cap="flat" cmpd="sng" algn="ctr">
+                      <a:solidFill>
+                        <a:schemeClr val="tx1"/>
+                      </a:solidFill>
+                      <a:prstDash val="solid"/>
+                      <a:round/>
+                      <a:headEnd type="none" w="med" len="med"/>
+                      <a:tailEnd type="none" w="med" len="med"/>
+                    </a:lnT>
+                    <a:lnB w="12700" cap="flat" cmpd="sng" algn="ctr">
+                      <a:solidFill>
+                        <a:schemeClr val="tx1"/>
+                      </a:solidFill>
+                      <a:prstDash val="solid"/>
+                      <a:round/>
+                      <a:headEnd type="none" w="med" len="med"/>
+                      <a:tailEnd type="none" w="med" len="med"/>
+                    </a:lnB>
+                  </a:tcPr>
+                </a:tc>
+                <a:tc>
+                  <a:txBody>
+                    <a:bodyPr/>
+                    <a:lstStyle/>
+                    <a:p>
+                      <a:endParaRPr lang="en-US" sz="10700" dirty="0"/>
+                    </a:p>
+                  </a:txBody>
+                  <a:tcPr marL="136738" marR="136738" marT="68369" marB="68369">
+                    <a:lnL w="12700" cap="flat" cmpd="sng" algn="ctr">
+                      <a:solidFill>
+                        <a:schemeClr val="tx1"/>
+                      </a:solidFill>
+                      <a:prstDash val="solid"/>
+                      <a:round/>
+                      <a:headEnd type="none" w="med" len="med"/>
+                      <a:tailEnd type="none" w="med" len="med"/>
+                    </a:lnL>
+                    <a:lnR w="12700" cap="flat" cmpd="sng" algn="ctr">
+                      <a:solidFill>
+                        <a:schemeClr val="tx1"/>
+                      </a:solidFill>
+                      <a:prstDash val="solid"/>
+                      <a:round/>
+                      <a:headEnd type="none" w="med" len="med"/>
+                      <a:tailEnd type="none" w="med" len="med"/>
+                    </a:lnR>
+                    <a:lnT w="12700" cap="flat" cmpd="sng" algn="ctr">
+                      <a:solidFill>
+                        <a:schemeClr val="tx1"/>
+                      </a:solidFill>
+                      <a:prstDash val="solid"/>
+                      <a:round/>
+                      <a:headEnd type="none" w="med" len="med"/>
+                      <a:tailEnd type="none" w="med" len="med"/>
+                    </a:lnT>
+                    <a:lnB w="12700" cap="flat" cmpd="sng" algn="ctr">
+                      <a:solidFill>
+                        <a:schemeClr val="tx1"/>
+                      </a:solidFill>
+                      <a:prstDash val="solid"/>
+                      <a:round/>
+                      <a:headEnd type="none" w="med" len="med"/>
+                      <a:tailEnd type="none" w="med" len="med"/>
+                    </a:lnB>
+                  </a:tcPr>
+                </a:tc>
+                <a:tc>
+                  <a:txBody>
+                    <a:bodyPr/>
+                    <a:lstStyle/>
+                    <a:p>
+                      <a:endParaRPr lang="en-US" sz="10700" dirty="0"/>
+                    </a:p>
+                  </a:txBody>
+                  <a:tcPr marL="136738" marR="136738" marT="68369" marB="68369">
+                    <a:lnL w="12700" cap="flat" cmpd="sng" algn="ctr">
+                      <a:solidFill>
+                        <a:schemeClr val="tx1"/>
+                      </a:solidFill>
+                      <a:prstDash val="solid"/>
+                      <a:round/>
+                      <a:headEnd type="none" w="med" len="med"/>
+                      <a:tailEnd type="none" w="med" len="med"/>
+                    </a:lnL>
+                    <a:lnR w="12700" cap="flat" cmpd="sng" algn="ctr">
+                      <a:solidFill>
+                        <a:schemeClr val="tx1"/>
+                      </a:solidFill>
+                      <a:prstDash val="solid"/>
+                      <a:round/>
+                      <a:headEnd type="none" w="med" len="med"/>
+                      <a:tailEnd type="none" w="med" len="med"/>
+                    </a:lnR>
+                    <a:lnT w="12700" cap="flat" cmpd="sng" algn="ctr">
+                      <a:solidFill>
+                        <a:schemeClr val="tx1"/>
+                      </a:solidFill>
+                      <a:prstDash val="solid"/>
+                      <a:round/>
+                      <a:headEnd type="none" w="med" len="med"/>
+                      <a:tailEnd type="none" w="med" len="med"/>
+                    </a:lnT>
+                    <a:lnB w="12700" cap="flat" cmpd="sng" algn="ctr">
+                      <a:solidFill>
+                        <a:schemeClr val="tx1"/>
+                      </a:solidFill>
+                      <a:prstDash val="solid"/>
+                      <a:round/>
+                      <a:headEnd type="none" w="med" len="med"/>
+                      <a:tailEnd type="none" w="med" len="med"/>
+                    </a:lnB>
+                  </a:tcPr>
+                </a:tc>
+                <a:extLst>
+                  <a:ext uri="{0D108BD9-81ED-4DB2-BD59-A6C34878D82A}">
+                    <a16:rowId xmlns:a16="http://schemas.microsoft.com/office/drawing/2014/main" val="2718744218"/>
+                  </a:ext>
+                </a:extLst>
+              </a:tr>
+              <a:tr h="1794463">
+                <a:tc>
+                  <a:txBody>
+                    <a:bodyPr/>
+                    <a:lstStyle/>
+                    <a:p>
+                      <a:endParaRPr lang="en-US" sz="10700"/>
+                    </a:p>
+                  </a:txBody>
+                  <a:tcPr marL="136738" marR="136738" marT="68369" marB="68369">
+                    <a:lnL w="12700" cap="flat" cmpd="sng" algn="ctr">
+                      <a:solidFill>
+                        <a:schemeClr val="tx1"/>
+                      </a:solidFill>
+                      <a:prstDash val="solid"/>
+                      <a:round/>
+                      <a:headEnd type="none" w="med" len="med"/>
+                      <a:tailEnd type="none" w="med" len="med"/>
+                    </a:lnL>
+                    <a:lnR w="12700" cap="flat" cmpd="sng" algn="ctr">
+                      <a:solidFill>
+                        <a:schemeClr val="tx1"/>
+                      </a:solidFill>
+                      <a:prstDash val="solid"/>
+                      <a:round/>
+                      <a:headEnd type="none" w="med" len="med"/>
+                      <a:tailEnd type="none" w="med" len="med"/>
+                    </a:lnR>
+                    <a:lnT w="12700" cap="flat" cmpd="sng" algn="ctr">
+                      <a:solidFill>
+                        <a:schemeClr val="tx1"/>
+                      </a:solidFill>
+                      <a:prstDash val="solid"/>
+                      <a:round/>
+                      <a:headEnd type="none" w="med" len="med"/>
+                      <a:tailEnd type="none" w="med" len="med"/>
+                    </a:lnT>
+                    <a:lnB w="12700" cap="flat" cmpd="sng" algn="ctr">
+                      <a:solidFill>
+                        <a:schemeClr val="tx1"/>
+                      </a:solidFill>
+                      <a:prstDash val="solid"/>
+                      <a:round/>
+                      <a:headEnd type="none" w="med" len="med"/>
+                      <a:tailEnd type="none" w="med" len="med"/>
+                    </a:lnB>
+                  </a:tcPr>
+                </a:tc>
+                <a:tc>
+                  <a:txBody>
+                    <a:bodyPr/>
+                    <a:lstStyle/>
+                    <a:p>
+                      <a:endParaRPr lang="en-US" sz="10700" dirty="0"/>
+                    </a:p>
+                  </a:txBody>
+                  <a:tcPr marL="136738" marR="136738" marT="68369" marB="68369">
+                    <a:lnL w="12700" cap="flat" cmpd="sng" algn="ctr">
+                      <a:solidFill>
+                        <a:schemeClr val="tx1"/>
+                      </a:solidFill>
+                      <a:prstDash val="solid"/>
+                      <a:round/>
+                      <a:headEnd type="none" w="med" len="med"/>
+                      <a:tailEnd type="none" w="med" len="med"/>
+                    </a:lnL>
+                    <a:lnR w="12700" cap="flat" cmpd="sng" algn="ctr">
+                      <a:solidFill>
+                        <a:schemeClr val="tx1"/>
+                      </a:solidFill>
+                      <a:prstDash val="solid"/>
+                      <a:round/>
+                      <a:headEnd type="none" w="med" len="med"/>
+                      <a:tailEnd type="none" w="med" len="med"/>
+                    </a:lnR>
+                    <a:lnT w="12700" cap="flat" cmpd="sng" algn="ctr">
+                      <a:solidFill>
+                        <a:schemeClr val="tx1"/>
+                      </a:solidFill>
+                      <a:prstDash val="solid"/>
+                      <a:round/>
+                      <a:headEnd type="none" w="med" len="med"/>
+                      <a:tailEnd type="none" w="med" len="med"/>
+                    </a:lnT>
+                    <a:lnB w="12700" cap="flat" cmpd="sng" algn="ctr">
+                      <a:solidFill>
+                        <a:schemeClr val="tx1"/>
+                      </a:solidFill>
+                      <a:prstDash val="solid"/>
+                      <a:round/>
+                      <a:headEnd type="none" w="med" len="med"/>
+                      <a:tailEnd type="none" w="med" len="med"/>
+                    </a:lnB>
+                  </a:tcPr>
+                </a:tc>
+                <a:tc>
+                  <a:txBody>
+                    <a:bodyPr/>
+                    <a:lstStyle/>
+                    <a:p>
+                      <a:endParaRPr lang="en-US" sz="10700"/>
+                    </a:p>
+                  </a:txBody>
+                  <a:tcPr marL="136738" marR="136738" marT="68369" marB="68369">
+                    <a:lnL w="12700" cap="flat" cmpd="sng" algn="ctr">
+                      <a:solidFill>
+                        <a:schemeClr val="tx1"/>
+                      </a:solidFill>
+                      <a:prstDash val="solid"/>
+                      <a:round/>
+                      <a:headEnd type="none" w="med" len="med"/>
+                      <a:tailEnd type="none" w="med" len="med"/>
+                    </a:lnL>
+                    <a:lnR w="12700" cap="flat" cmpd="sng" algn="ctr">
+                      <a:solidFill>
+                        <a:schemeClr val="tx1"/>
+                      </a:solidFill>
+                      <a:prstDash val="solid"/>
+                      <a:round/>
+                      <a:headEnd type="none" w="med" len="med"/>
+                      <a:tailEnd type="none" w="med" len="med"/>
+                    </a:lnR>
+                    <a:lnT w="12700" cap="flat" cmpd="sng" algn="ctr">
+                      <a:solidFill>
+                        <a:schemeClr val="tx1"/>
+                      </a:solidFill>
+                      <a:prstDash val="solid"/>
+                      <a:round/>
+                      <a:headEnd type="none" w="med" len="med"/>
+                      <a:tailEnd type="none" w="med" len="med"/>
+                    </a:lnT>
+                    <a:lnB w="12700" cap="flat" cmpd="sng" algn="ctr">
+                      <a:solidFill>
+                        <a:schemeClr val="tx1"/>
+                      </a:solidFill>
+                      <a:prstDash val="solid"/>
+                      <a:round/>
+                      <a:headEnd type="none" w="med" len="med"/>
+                      <a:tailEnd type="none" w="med" len="med"/>
+                    </a:lnB>
+                  </a:tcPr>
+                </a:tc>
+                <a:tc>
+                  <a:txBody>
+                    <a:bodyPr/>
+                    <a:lstStyle/>
+                    <a:p>
+                      <a:endParaRPr lang="en-US" sz="10700"/>
+                    </a:p>
+                  </a:txBody>
+                  <a:tcPr marL="136738" marR="136738" marT="68369" marB="68369">
+                    <a:lnL w="12700" cap="flat" cmpd="sng" algn="ctr">
+                      <a:solidFill>
+                        <a:schemeClr val="tx1"/>
+                      </a:solidFill>
+                      <a:prstDash val="solid"/>
+                      <a:round/>
+                      <a:headEnd type="none" w="med" len="med"/>
+                      <a:tailEnd type="none" w="med" len="med"/>
+                    </a:lnL>
+                    <a:lnR w="12700" cap="flat" cmpd="sng" algn="ctr">
+                      <a:solidFill>
+                        <a:schemeClr val="tx1"/>
+                      </a:solidFill>
+                      <a:prstDash val="solid"/>
+                      <a:round/>
+                      <a:headEnd type="none" w="med" len="med"/>
+                      <a:tailEnd type="none" w="med" len="med"/>
+                    </a:lnR>
+                    <a:lnT w="12700" cap="flat" cmpd="sng" algn="ctr">
+                      <a:solidFill>
+                        <a:schemeClr val="tx1"/>
+                      </a:solidFill>
+                      <a:prstDash val="solid"/>
+                      <a:round/>
+                      <a:headEnd type="none" w="med" len="med"/>
+                      <a:tailEnd type="none" w="med" len="med"/>
+                    </a:lnT>
+                    <a:lnB w="12700" cap="flat" cmpd="sng" algn="ctr">
+                      <a:solidFill>
+                        <a:schemeClr val="tx1"/>
+                      </a:solidFill>
+                      <a:prstDash val="solid"/>
+                      <a:round/>
+                      <a:headEnd type="none" w="med" len="med"/>
+                      <a:tailEnd type="none" w="med" len="med"/>
+                    </a:lnB>
+                  </a:tcPr>
+                </a:tc>
+                <a:tc>
+                  <a:txBody>
+                    <a:bodyPr/>
+                    <a:lstStyle/>
+                    <a:p>
+                      <a:endParaRPr lang="en-US" sz="10700"/>
+                    </a:p>
+                  </a:txBody>
+                  <a:tcPr marL="136738" marR="136738" marT="68369" marB="68369">
+                    <a:lnL w="12700" cap="flat" cmpd="sng" algn="ctr">
+                      <a:solidFill>
+                        <a:schemeClr val="tx1"/>
+                      </a:solidFill>
+                      <a:prstDash val="solid"/>
+                      <a:round/>
+                      <a:headEnd type="none" w="med" len="med"/>
+                      <a:tailEnd type="none" w="med" len="med"/>
+                    </a:lnL>
+                    <a:lnR w="12700" cap="flat" cmpd="sng" algn="ctr">
+                      <a:solidFill>
+                        <a:schemeClr val="tx1"/>
+                      </a:solidFill>
+                      <a:prstDash val="solid"/>
+                      <a:round/>
+                      <a:headEnd type="none" w="med" len="med"/>
+                      <a:tailEnd type="none" w="med" len="med"/>
+                    </a:lnR>
+                    <a:lnT w="12700" cap="flat" cmpd="sng" algn="ctr">
+                      <a:solidFill>
+                        <a:schemeClr val="tx1"/>
+                      </a:solidFill>
+                      <a:prstDash val="solid"/>
+                      <a:round/>
+                      <a:headEnd type="none" w="med" len="med"/>
+                      <a:tailEnd type="none" w="med" len="med"/>
+                    </a:lnT>
+                    <a:lnB w="12700" cap="flat" cmpd="sng" algn="ctr">
+                      <a:solidFill>
+                        <a:schemeClr val="tx1"/>
+                      </a:solidFill>
+                      <a:prstDash val="solid"/>
+                      <a:round/>
+                      <a:headEnd type="none" w="med" len="med"/>
+                      <a:tailEnd type="none" w="med" len="med"/>
+                    </a:lnB>
+                  </a:tcPr>
+                </a:tc>
+                <a:tc>
+                  <a:txBody>
+                    <a:bodyPr/>
+                    <a:lstStyle/>
+                    <a:p>
+                      <a:endParaRPr lang="en-US" sz="10700" dirty="0"/>
+                    </a:p>
+                  </a:txBody>
+                  <a:tcPr marL="136738" marR="136738" marT="68369" marB="68369">
+                    <a:lnL w="12700" cap="flat" cmpd="sng" algn="ctr">
+                      <a:solidFill>
+                        <a:schemeClr val="tx1"/>
+                      </a:solidFill>
+                      <a:prstDash val="solid"/>
+                      <a:round/>
+                      <a:headEnd type="none" w="med" len="med"/>
+                      <a:tailEnd type="none" w="med" len="med"/>
+                    </a:lnL>
+                    <a:lnR w="12700" cap="flat" cmpd="sng" algn="ctr">
+                      <a:solidFill>
+                        <a:schemeClr val="tx1"/>
+                      </a:solidFill>
+                      <a:prstDash val="solid"/>
+                      <a:round/>
+                      <a:headEnd type="none" w="med" len="med"/>
+                      <a:tailEnd type="none" w="med" len="med"/>
+                    </a:lnR>
+                    <a:lnT w="12700" cap="flat" cmpd="sng" algn="ctr">
+                      <a:solidFill>
+                        <a:schemeClr val="tx1"/>
+                      </a:solidFill>
+                      <a:prstDash val="solid"/>
+                      <a:round/>
+                      <a:headEnd type="none" w="med" len="med"/>
+                      <a:tailEnd type="none" w="med" len="med"/>
+                    </a:lnT>
+                    <a:lnB w="12700" cap="flat" cmpd="sng" algn="ctr">
+                      <a:solidFill>
+                        <a:schemeClr val="tx1"/>
+                      </a:solidFill>
+                      <a:prstDash val="solid"/>
+                      <a:round/>
+                      <a:headEnd type="none" w="med" len="med"/>
+                      <a:tailEnd type="none" w="med" len="med"/>
+                    </a:lnB>
+                  </a:tcPr>
+                </a:tc>
+                <a:extLst>
+                  <a:ext uri="{0D108BD9-81ED-4DB2-BD59-A6C34878D82A}">
+                    <a16:rowId xmlns:a16="http://schemas.microsoft.com/office/drawing/2014/main" val="3504767782"/>
+                  </a:ext>
+                </a:extLst>
+              </a:tr>
+              <a:tr h="1794463">
+                <a:tc>
+                  <a:txBody>
+                    <a:bodyPr/>
+                    <a:lstStyle/>
+                    <a:p>
+                      <a:endParaRPr lang="en-US" sz="10700"/>
+                    </a:p>
+                  </a:txBody>
+                  <a:tcPr marL="136738" marR="136738" marT="68369" marB="68369">
+                    <a:lnL w="12700" cap="flat" cmpd="sng" algn="ctr">
+                      <a:solidFill>
+                        <a:schemeClr val="tx1"/>
+                      </a:solidFill>
+                      <a:prstDash val="solid"/>
+                      <a:round/>
+                      <a:headEnd type="none" w="med" len="med"/>
+                      <a:tailEnd type="none" w="med" len="med"/>
+                    </a:lnL>
+                    <a:lnR w="12700" cap="flat" cmpd="sng" algn="ctr">
+                      <a:solidFill>
+                        <a:schemeClr val="tx1"/>
+                      </a:solidFill>
+                      <a:prstDash val="solid"/>
+                      <a:round/>
+                      <a:headEnd type="none" w="med" len="med"/>
+                      <a:tailEnd type="none" w="med" len="med"/>
+                    </a:lnR>
+                    <a:lnT w="12700" cap="flat" cmpd="sng" algn="ctr">
+                      <a:solidFill>
+                        <a:schemeClr val="tx1"/>
+                      </a:solidFill>
+                      <a:prstDash val="solid"/>
+                      <a:round/>
+                      <a:headEnd type="none" w="med" len="med"/>
+                      <a:tailEnd type="none" w="med" len="med"/>
+                    </a:lnT>
+                    <a:lnB w="12700" cap="flat" cmpd="sng" algn="ctr">
+                      <a:solidFill>
+                        <a:schemeClr val="tx1"/>
+                      </a:solidFill>
+                      <a:prstDash val="solid"/>
+                      <a:round/>
+                      <a:headEnd type="none" w="med" len="med"/>
+                      <a:tailEnd type="none" w="med" len="med"/>
+                    </a:lnB>
+                  </a:tcPr>
+                </a:tc>
+                <a:tc>
+                  <a:txBody>
+                    <a:bodyPr/>
+                    <a:lstStyle/>
+                    <a:p>
+                      <a:endParaRPr lang="en-US" sz="10700"/>
+                    </a:p>
+                  </a:txBody>
+                  <a:tcPr marL="136738" marR="136738" marT="68369" marB="68369">
+                    <a:lnL w="12700" cap="flat" cmpd="sng" algn="ctr">
+                      <a:solidFill>
+                        <a:schemeClr val="tx1"/>
+                      </a:solidFill>
+                      <a:prstDash val="solid"/>
+                      <a:round/>
+                      <a:headEnd type="none" w="med" len="med"/>
+                      <a:tailEnd type="none" w="med" len="med"/>
+                    </a:lnL>
+                    <a:lnR w="12700" cap="flat" cmpd="sng" algn="ctr">
+                      <a:solidFill>
+                        <a:schemeClr val="tx1"/>
+                      </a:solidFill>
+                      <a:prstDash val="solid"/>
+                      <a:round/>
+                      <a:headEnd type="none" w="med" len="med"/>
+                      <a:tailEnd type="none" w="med" len="med"/>
+                    </a:lnR>
+                    <a:lnT w="12700" cap="flat" cmpd="sng" algn="ctr">
+                      <a:solidFill>
+                        <a:schemeClr val="tx1"/>
+                      </a:solidFill>
+                      <a:prstDash val="solid"/>
+                      <a:round/>
+                      <a:headEnd type="none" w="med" len="med"/>
+                      <a:tailEnd type="none" w="med" len="med"/>
+                    </a:lnT>
+                    <a:lnB w="12700" cap="flat" cmpd="sng" algn="ctr">
+                      <a:solidFill>
+                        <a:schemeClr val="tx1"/>
+                      </a:solidFill>
+                      <a:prstDash val="solid"/>
+                      <a:round/>
+                      <a:headEnd type="none" w="med" len="med"/>
+                      <a:tailEnd type="none" w="med" len="med"/>
+                    </a:lnB>
+                  </a:tcPr>
+                </a:tc>
+                <a:tc>
+                  <a:txBody>
+                    <a:bodyPr/>
+                    <a:lstStyle/>
+                    <a:p>
+                      <a:endParaRPr lang="en-US" sz="10700"/>
+                    </a:p>
+                  </a:txBody>
+                  <a:tcPr marL="136738" marR="136738" marT="68369" marB="68369">
+                    <a:lnL w="12700" cap="flat" cmpd="sng" algn="ctr">
+                      <a:solidFill>
+                        <a:schemeClr val="tx1"/>
+                      </a:solidFill>
+                      <a:prstDash val="solid"/>
+                      <a:round/>
+                      <a:headEnd type="none" w="med" len="med"/>
+                      <a:tailEnd type="none" w="med" len="med"/>
+                    </a:lnL>
+                    <a:lnR w="12700" cap="flat" cmpd="sng" algn="ctr">
+                      <a:solidFill>
+                        <a:schemeClr val="tx1"/>
+                      </a:solidFill>
+                      <a:prstDash val="solid"/>
+                      <a:round/>
+                      <a:headEnd type="none" w="med" len="med"/>
+                      <a:tailEnd type="none" w="med" len="med"/>
+                    </a:lnR>
+                    <a:lnT w="12700" cap="flat" cmpd="sng" algn="ctr">
+                      <a:solidFill>
+                        <a:schemeClr val="tx1"/>
+                      </a:solidFill>
+                      <a:prstDash val="solid"/>
+                      <a:round/>
+                      <a:headEnd type="none" w="med" len="med"/>
+                      <a:tailEnd type="none" w="med" len="med"/>
+                    </a:lnT>
+                    <a:lnB w="12700" cap="flat" cmpd="sng" algn="ctr">
+                      <a:solidFill>
+                        <a:schemeClr val="tx1"/>
+                      </a:solidFill>
+                      <a:prstDash val="solid"/>
+                      <a:round/>
+                      <a:headEnd type="none" w="med" len="med"/>
+                      <a:tailEnd type="none" w="med" len="med"/>
+                    </a:lnB>
+                  </a:tcPr>
+                </a:tc>
+                <a:tc>
+                  <a:txBody>
+                    <a:bodyPr/>
+                    <a:lstStyle/>
+                    <a:p>
+                      <a:endParaRPr lang="en-US" sz="10700" dirty="0"/>
+                    </a:p>
+                  </a:txBody>
+                  <a:tcPr marL="136738" marR="136738" marT="68369" marB="68369">
+                    <a:lnL w="12700" cap="flat" cmpd="sng" algn="ctr">
+                      <a:solidFill>
+                        <a:schemeClr val="tx1"/>
+                      </a:solidFill>
+                      <a:prstDash val="solid"/>
+                      <a:round/>
+                      <a:headEnd type="none" w="med" len="med"/>
+                      <a:tailEnd type="none" w="med" len="med"/>
+                    </a:lnL>
+                    <a:lnR w="12700" cap="flat" cmpd="sng" algn="ctr">
+                      <a:solidFill>
+                        <a:schemeClr val="tx1"/>
+                      </a:solidFill>
+                      <a:prstDash val="solid"/>
+                      <a:round/>
+                      <a:headEnd type="none" w="med" len="med"/>
+                      <a:tailEnd type="none" w="med" len="med"/>
+                    </a:lnR>
+                    <a:lnT w="12700" cap="flat" cmpd="sng" algn="ctr">
+                      <a:solidFill>
+                        <a:schemeClr val="tx1"/>
+                      </a:solidFill>
+                      <a:prstDash val="solid"/>
+                      <a:round/>
+                      <a:headEnd type="none" w="med" len="med"/>
+                      <a:tailEnd type="none" w="med" len="med"/>
+                    </a:lnT>
+                    <a:lnB w="12700" cap="flat" cmpd="sng" algn="ctr">
+                      <a:solidFill>
+                        <a:schemeClr val="tx1"/>
+                      </a:solidFill>
+                      <a:prstDash val="solid"/>
+                      <a:round/>
+                      <a:headEnd type="none" w="med" len="med"/>
+                      <a:tailEnd type="none" w="med" len="med"/>
+                    </a:lnB>
+                  </a:tcPr>
+                </a:tc>
+                <a:tc>
+                  <a:txBody>
+                    <a:bodyPr/>
+                    <a:lstStyle/>
+                    <a:p>
+                      <a:endParaRPr lang="en-US" sz="10700"/>
+                    </a:p>
+                  </a:txBody>
+                  <a:tcPr marL="136738" marR="136738" marT="68369" marB="68369">
+                    <a:lnL w="12700" cap="flat" cmpd="sng" algn="ctr">
+                      <a:solidFill>
+                        <a:schemeClr val="tx1"/>
+                      </a:solidFill>
+                      <a:prstDash val="solid"/>
+                      <a:round/>
+                      <a:headEnd type="none" w="med" len="med"/>
+                      <a:tailEnd type="none" w="med" len="med"/>
+                    </a:lnL>
+                    <a:lnR w="12700" cap="flat" cmpd="sng" algn="ctr">
+                      <a:solidFill>
+                        <a:schemeClr val="tx1"/>
+                      </a:solidFill>
+                      <a:prstDash val="solid"/>
+                      <a:round/>
+                      <a:headEnd type="none" w="med" len="med"/>
+                      <a:tailEnd type="none" w="med" len="med"/>
+                    </a:lnR>
+                    <a:lnT w="12700" cap="flat" cmpd="sng" algn="ctr">
+                      <a:solidFill>
+                        <a:schemeClr val="tx1"/>
+                      </a:solidFill>
+                      <a:prstDash val="solid"/>
+                      <a:round/>
+                      <a:headEnd type="none" w="med" len="med"/>
+                      <a:tailEnd type="none" w="med" len="med"/>
+                    </a:lnT>
+                    <a:lnB w="12700" cap="flat" cmpd="sng" algn="ctr">
+                      <a:solidFill>
+                        <a:schemeClr val="tx1"/>
+                      </a:solidFill>
+                      <a:prstDash val="solid"/>
+                      <a:round/>
+                      <a:headEnd type="none" w="med" len="med"/>
+                      <a:tailEnd type="none" w="med" len="med"/>
+                    </a:lnB>
+                  </a:tcPr>
+                </a:tc>
+                <a:tc>
+                  <a:txBody>
+                    <a:bodyPr/>
+                    <a:lstStyle/>
+                    <a:p>
+                      <a:endParaRPr lang="en-US" sz="10700" dirty="0"/>
+                    </a:p>
+                  </a:txBody>
+                  <a:tcPr marL="136738" marR="136738" marT="68369" marB="68369">
+                    <a:lnL w="12700" cap="flat" cmpd="sng" algn="ctr">
+                      <a:solidFill>
+                        <a:schemeClr val="tx1"/>
+                      </a:solidFill>
+                      <a:prstDash val="solid"/>
+                      <a:round/>
+                      <a:headEnd type="none" w="med" len="med"/>
+                      <a:tailEnd type="none" w="med" len="med"/>
+                    </a:lnL>
+                    <a:lnR w="12700" cap="flat" cmpd="sng" algn="ctr">
+                      <a:solidFill>
+                        <a:schemeClr val="tx1"/>
+                      </a:solidFill>
+                      <a:prstDash val="solid"/>
+                      <a:round/>
+                      <a:headEnd type="none" w="med" len="med"/>
+                      <a:tailEnd type="none" w="med" len="med"/>
+                    </a:lnR>
+                    <a:lnT w="12700" cap="flat" cmpd="sng" algn="ctr">
+                      <a:solidFill>
+                        <a:schemeClr val="tx1"/>
+                      </a:solidFill>
+                      <a:prstDash val="solid"/>
+                      <a:round/>
+                      <a:headEnd type="none" w="med" len="med"/>
+                      <a:tailEnd type="none" w="med" len="med"/>
+                    </a:lnT>
+                    <a:lnB w="12700" cap="flat" cmpd="sng" algn="ctr">
+                      <a:solidFill>
+                        <a:schemeClr val="tx1"/>
+                      </a:solidFill>
+                      <a:prstDash val="solid"/>
+                      <a:round/>
+                      <a:headEnd type="none" w="med" len="med"/>
+                      <a:tailEnd type="none" w="med" len="med"/>
+                    </a:lnB>
+                  </a:tcPr>
+                </a:tc>
+                <a:extLst>
+                  <a:ext uri="{0D108BD9-81ED-4DB2-BD59-A6C34878D82A}">
+                    <a16:rowId xmlns:a16="http://schemas.microsoft.com/office/drawing/2014/main" val="180670216"/>
+                  </a:ext>
+                </a:extLst>
+              </a:tr>
+            </a:tbl>
+          </a:graphicData>
+        </a:graphic>
+      </p:graphicFrame>
+      <p:sp>
+        <p:nvSpPr>
+          <p:cNvPr id="5" name="Isosceles Triangle 4">
+            <a:extLst>
+              <a:ext uri="{FF2B5EF4-FFF2-40B4-BE49-F238E27FC236}">
+                <a16:creationId xmlns:a16="http://schemas.microsoft.com/office/drawing/2014/main" id="{CA6FC584-D566-4380-B1CF-9098457C1053}"/>
+              </a:ext>
+            </a:extLst>
+          </p:cNvPr>
+          <p:cNvSpPr/>
+          <p:nvPr/>
+        </p:nvSpPr>
+        <p:spPr>
+          <a:xfrm rot="19483902">
+            <a:off x="7059728" y="10501382"/>
+            <a:ext cx="7003339" cy="8977887"/>
+          </a:xfrm>
+          <a:prstGeom prst="triangle">
+            <a:avLst/>
+          </a:prstGeom>
+          <a:noFill/>
+          <a:ln w="76200">
+            <a:solidFill>
+              <a:srgbClr val="00B050"/>
+            </a:solidFill>
+          </a:ln>
+        </p:spPr>
+        <p:style>
+          <a:lnRef idx="2">
+            <a:schemeClr val="accent1">
+              <a:shade val="50000"/>
+            </a:schemeClr>
+          </a:lnRef>
+          <a:fillRef idx="1">
+            <a:schemeClr val="accent1"/>
+          </a:fillRef>
+          <a:effectRef idx="0">
+            <a:schemeClr val="accent1"/>
+          </a:effectRef>
+          <a:fontRef idx="minor">
+            <a:schemeClr val="lt1"/>
+          </a:fontRef>
+        </p:style>
+        <p:txBody>
+          <a:bodyPr rtlCol="0" anchor="ctr"/>
+          <a:lstStyle/>
+          <a:p>
+            <a:pPr algn="ctr"/>
+            <a:endParaRPr lang="en-US"/>
+          </a:p>
+        </p:txBody>
+      </p:sp>
+      <p:cxnSp>
+        <p:nvCxnSpPr>
+          <p:cNvPr id="7" name="Straight Arrow Connector 6">
+            <a:extLst>
+              <a:ext uri="{FF2B5EF4-FFF2-40B4-BE49-F238E27FC236}">
+                <a16:creationId xmlns:a16="http://schemas.microsoft.com/office/drawing/2014/main" id="{7A961817-DB63-40DD-9E6D-457F47BF7ED8}"/>
+              </a:ext>
+            </a:extLst>
+          </p:cNvPr>
+          <p:cNvCxnSpPr>
+            <a:cxnSpLocks/>
+          </p:cNvCxnSpPr>
+          <p:nvPr/>
+        </p:nvCxnSpPr>
+        <p:spPr>
+          <a:xfrm flipH="1" flipV="1">
+            <a:off x="7370160" y="12005187"/>
+            <a:ext cx="2068807" cy="8231214"/>
+          </a:xfrm>
+          <a:prstGeom prst="straightConnector1">
+            <a:avLst/>
+          </a:prstGeom>
+          <a:ln w="76200">
+            <a:solidFill>
+              <a:schemeClr val="tx1"/>
+            </a:solidFill>
+            <a:tailEnd type="triangle"/>
+          </a:ln>
+        </p:spPr>
+        <p:style>
+          <a:lnRef idx="1">
+            <a:schemeClr val="accent1"/>
+          </a:lnRef>
+          <a:fillRef idx="0">
+            <a:schemeClr val="accent1"/>
+          </a:fillRef>
+          <a:effectRef idx="0">
+            <a:schemeClr val="accent1"/>
+          </a:effectRef>
+          <a:fontRef idx="minor">
+            <a:schemeClr val="tx1"/>
+          </a:fontRef>
+        </p:style>
+      </p:cxnSp>
+      <p:cxnSp>
+        <p:nvCxnSpPr>
+          <p:cNvPr id="8" name="Straight Arrow Connector 7">
+            <a:extLst>
+              <a:ext uri="{FF2B5EF4-FFF2-40B4-BE49-F238E27FC236}">
+                <a16:creationId xmlns:a16="http://schemas.microsoft.com/office/drawing/2014/main" id="{BB341FF2-0CFF-4FB0-9967-9ABF683946D2}"/>
+              </a:ext>
+            </a:extLst>
+          </p:cNvPr>
+          <p:cNvCxnSpPr>
+            <a:cxnSpLocks/>
+          </p:cNvCxnSpPr>
+          <p:nvPr/>
+        </p:nvCxnSpPr>
+        <p:spPr>
+          <a:xfrm flipV="1">
+            <a:off x="11920087" y="17987312"/>
+            <a:ext cx="3180737" cy="2249088"/>
+          </a:xfrm>
+          <a:prstGeom prst="straightConnector1">
+            <a:avLst/>
+          </a:prstGeom>
+          <a:ln w="76200">
+            <a:solidFill>
+              <a:schemeClr val="bg2">
+                <a:lumMod val="75000"/>
+              </a:schemeClr>
+            </a:solidFill>
+            <a:tailEnd type="triangle"/>
+          </a:ln>
+        </p:spPr>
+        <p:style>
+          <a:lnRef idx="1">
+            <a:schemeClr val="accent1"/>
+          </a:lnRef>
+          <a:fillRef idx="0">
+            <a:schemeClr val="accent1"/>
+          </a:fillRef>
+          <a:effectRef idx="0">
+            <a:schemeClr val="accent1"/>
+          </a:effectRef>
+          <a:fontRef idx="minor">
+            <a:schemeClr val="tx1"/>
+          </a:fontRef>
+        </p:style>
+      </p:cxnSp>
+      <p:cxnSp>
+        <p:nvCxnSpPr>
+          <p:cNvPr id="10" name="Straight Arrow Connector 9">
+            <a:extLst>
+              <a:ext uri="{FF2B5EF4-FFF2-40B4-BE49-F238E27FC236}">
+                <a16:creationId xmlns:a16="http://schemas.microsoft.com/office/drawing/2014/main" id="{07EAF31B-0A28-4116-A7DA-A0443D4B9663}"/>
+              </a:ext>
+            </a:extLst>
+          </p:cNvPr>
+          <p:cNvCxnSpPr>
+            <a:cxnSpLocks/>
+          </p:cNvCxnSpPr>
+          <p:nvPr/>
+        </p:nvCxnSpPr>
+        <p:spPr>
+          <a:xfrm flipH="1" flipV="1">
+            <a:off x="9526483" y="11508630"/>
+            <a:ext cx="6398305" cy="4257166"/>
+          </a:xfrm>
+          <a:prstGeom prst="straightConnector1">
+            <a:avLst/>
+          </a:prstGeom>
+          <a:ln w="76200">
+            <a:solidFill>
+              <a:schemeClr val="tx1"/>
+            </a:solidFill>
+            <a:tailEnd type="triangle"/>
+          </a:ln>
+        </p:spPr>
+        <p:style>
+          <a:lnRef idx="1">
+            <a:schemeClr val="accent1"/>
+          </a:lnRef>
+          <a:fillRef idx="0">
+            <a:schemeClr val="accent1"/>
+          </a:fillRef>
+          <a:effectRef idx="0">
+            <a:schemeClr val="accent1"/>
+          </a:effectRef>
+          <a:fontRef idx="minor">
+            <a:schemeClr val="tx1"/>
+          </a:fontRef>
+        </p:style>
+      </p:cxnSp>
+      <p:sp>
+        <p:nvSpPr>
+          <p:cNvPr id="13" name="TextBox 12">
+            <a:extLst>
+              <a:ext uri="{FF2B5EF4-FFF2-40B4-BE49-F238E27FC236}">
+                <a16:creationId xmlns:a16="http://schemas.microsoft.com/office/drawing/2014/main" id="{520CB0A1-4BD4-4F08-81C9-49C2D56A07C0}"/>
+              </a:ext>
+            </a:extLst>
+          </p:cNvPr>
+          <p:cNvSpPr txBox="1"/>
+          <p:nvPr/>
+        </p:nvSpPr>
+        <p:spPr>
+          <a:xfrm>
+            <a:off x="7611645" y="16555121"/>
+            <a:ext cx="1247387" cy="923330"/>
+          </a:xfrm>
+          <a:prstGeom prst="rect">
+            <a:avLst/>
+          </a:prstGeom>
+          <a:noFill/>
+        </p:spPr>
+        <p:txBody>
+          <a:bodyPr wrap="square" rtlCol="0">
+            <a:spAutoFit/>
+          </a:bodyPr>
+          <a:lstStyle>
+            <a:defPPr>
+              <a:defRPr lang="en-US"/>
+            </a:defPPr>
+            <a:lvl1pPr>
+              <a:defRPr sz="5400"/>
+            </a:lvl1pPr>
+          </a:lstStyle>
+          <a:p>
+            <a:r>
+              <a:rPr lang="en-US"/>
+              <a:t>e0</a:t>
+            </a:r>
+            <a:endParaRPr lang="en-US" dirty="0"/>
+          </a:p>
+        </p:txBody>
+      </p:sp>
+      <p:sp>
+        <p:nvSpPr>
+          <p:cNvPr id="14" name="TextBox 13">
+            <a:extLst>
+              <a:ext uri="{FF2B5EF4-FFF2-40B4-BE49-F238E27FC236}">
+                <a16:creationId xmlns:a16="http://schemas.microsoft.com/office/drawing/2014/main" id="{EA4A1BFC-0561-437A-B9E7-40367425FCB9}"/>
+              </a:ext>
+            </a:extLst>
+          </p:cNvPr>
+          <p:cNvSpPr txBox="1"/>
+          <p:nvPr/>
+        </p:nvSpPr>
+        <p:spPr>
+          <a:xfrm>
+            <a:off x="13510455" y="19313070"/>
+            <a:ext cx="1278409" cy="923330"/>
+          </a:xfrm>
+          <a:prstGeom prst="rect">
+            <a:avLst/>
+          </a:prstGeom>
+          <a:noFill/>
+          <a:ln>
+            <a:solidFill>
+              <a:schemeClr val="bg2">
+                <a:lumMod val="75000"/>
+              </a:schemeClr>
+            </a:solidFill>
+          </a:ln>
+        </p:spPr>
+        <p:txBody>
+          <a:bodyPr wrap="square" rtlCol="0">
+            <a:spAutoFit/>
+          </a:bodyPr>
+          <a:lstStyle>
+            <a:defPPr>
+              <a:defRPr lang="en-US"/>
+            </a:defPPr>
+            <a:lvl1pPr>
+              <a:defRPr sz="5400"/>
+            </a:lvl1pPr>
+          </a:lstStyle>
+          <a:p>
+            <a:r>
+              <a:rPr lang="en-US" dirty="0">
+                <a:solidFill>
+                  <a:schemeClr val="bg2">
+                    <a:lumMod val="50000"/>
+                  </a:schemeClr>
+                </a:solidFill>
+              </a:rPr>
+              <a:t>e1</a:t>
+            </a:r>
+          </a:p>
+        </p:txBody>
+      </p:sp>
+      <p:sp>
+        <p:nvSpPr>
+          <p:cNvPr id="15" name="TextBox 14">
+            <a:extLst>
+              <a:ext uri="{FF2B5EF4-FFF2-40B4-BE49-F238E27FC236}">
+                <a16:creationId xmlns:a16="http://schemas.microsoft.com/office/drawing/2014/main" id="{D58B0A86-7943-483C-BB32-8FD21B98B474}"/>
+              </a:ext>
+            </a:extLst>
+          </p:cNvPr>
+          <p:cNvSpPr txBox="1"/>
+          <p:nvPr/>
+        </p:nvSpPr>
+        <p:spPr>
+          <a:xfrm>
+            <a:off x="13508977" y="12713883"/>
+            <a:ext cx="1278409" cy="923330"/>
+          </a:xfrm>
+          <a:prstGeom prst="rect">
+            <a:avLst/>
+          </a:prstGeom>
+          <a:noFill/>
+        </p:spPr>
+        <p:txBody>
+          <a:bodyPr wrap="square" rtlCol="0">
+            <a:spAutoFit/>
+          </a:bodyPr>
+          <a:lstStyle>
+            <a:defPPr>
+              <a:defRPr lang="en-US"/>
+            </a:defPPr>
+            <a:lvl1pPr>
+              <a:defRPr sz="5400"/>
+            </a:lvl1pPr>
+          </a:lstStyle>
+          <a:p>
+            <a:r>
+              <a:rPr lang="en-US" dirty="0"/>
+              <a:t>e2</a:t>
+            </a:r>
+          </a:p>
+        </p:txBody>
+      </p:sp>
+      <p:cxnSp>
+        <p:nvCxnSpPr>
+          <p:cNvPr id="17" name="Straight Connector 16">
+            <a:extLst>
+              <a:ext uri="{FF2B5EF4-FFF2-40B4-BE49-F238E27FC236}">
+                <a16:creationId xmlns:a16="http://schemas.microsoft.com/office/drawing/2014/main" id="{DDC049E5-A6C0-4233-839B-58AFAA3548AD}"/>
+              </a:ext>
+            </a:extLst>
+          </p:cNvPr>
+          <p:cNvCxnSpPr>
+            <a:cxnSpLocks/>
+          </p:cNvCxnSpPr>
+          <p:nvPr/>
+        </p:nvCxnSpPr>
+        <p:spPr>
+          <a:xfrm>
+            <a:off x="8888529" y="14838491"/>
+            <a:ext cx="4326027" cy="0"/>
+          </a:xfrm>
+          <a:prstGeom prst="line">
+            <a:avLst/>
+          </a:prstGeom>
+          <a:ln w="152400">
+            <a:solidFill>
+              <a:srgbClr val="7030A0"/>
+            </a:solidFill>
+            <a:headEnd type="none" w="med" len="med"/>
+            <a:tailEnd type="triangle" w="med" len="med"/>
+          </a:ln>
+        </p:spPr>
+        <p:style>
+          <a:lnRef idx="1">
+            <a:schemeClr val="accent1"/>
+          </a:lnRef>
+          <a:fillRef idx="0">
+            <a:schemeClr val="accent1"/>
+          </a:fillRef>
+          <a:effectRef idx="0">
+            <a:schemeClr val="accent1"/>
+          </a:effectRef>
+          <a:fontRef idx="minor">
+            <a:schemeClr val="tx1"/>
+          </a:fontRef>
+        </p:style>
+      </p:cxnSp>
+      <p:cxnSp>
+        <p:nvCxnSpPr>
+          <p:cNvPr id="40" name="Straight Connector 39">
+            <a:extLst>
+              <a:ext uri="{FF2B5EF4-FFF2-40B4-BE49-F238E27FC236}">
+                <a16:creationId xmlns:a16="http://schemas.microsoft.com/office/drawing/2014/main" id="{EEF0893A-D4A7-4E33-A52F-9CB01924EA33}"/>
+              </a:ext>
+            </a:extLst>
+          </p:cNvPr>
+          <p:cNvCxnSpPr>
+            <a:cxnSpLocks/>
+          </p:cNvCxnSpPr>
+          <p:nvPr/>
+        </p:nvCxnSpPr>
+        <p:spPr>
+          <a:xfrm>
+            <a:off x="9212447" y="16650141"/>
+            <a:ext cx="6741838" cy="0"/>
+          </a:xfrm>
+          <a:prstGeom prst="line">
+            <a:avLst/>
+          </a:prstGeom>
+          <a:ln w="152400">
+            <a:solidFill>
+              <a:srgbClr val="BA8CDC"/>
+            </a:solidFill>
+            <a:headEnd type="none" w="med" len="med"/>
+            <a:tailEnd type="triangle" w="med" len="med"/>
+          </a:ln>
+        </p:spPr>
+        <p:style>
+          <a:lnRef idx="1">
+            <a:schemeClr val="accent1"/>
+          </a:lnRef>
+          <a:fillRef idx="0">
+            <a:schemeClr val="accent1"/>
+          </a:fillRef>
+          <a:effectRef idx="0">
+            <a:schemeClr val="accent1"/>
+          </a:effectRef>
+          <a:fontRef idx="minor">
+            <a:schemeClr val="tx1"/>
+          </a:fontRef>
+        </p:style>
+      </p:cxnSp>
+      <p:cxnSp>
+        <p:nvCxnSpPr>
+          <p:cNvPr id="42" name="Straight Connector 41">
+            <a:extLst>
+              <a:ext uri="{FF2B5EF4-FFF2-40B4-BE49-F238E27FC236}">
+                <a16:creationId xmlns:a16="http://schemas.microsoft.com/office/drawing/2014/main" id="{372B679F-AED3-43E9-B617-BEC851CB9B46}"/>
+              </a:ext>
+            </a:extLst>
+          </p:cNvPr>
+          <p:cNvCxnSpPr>
+            <a:cxnSpLocks/>
+          </p:cNvCxnSpPr>
+          <p:nvPr/>
+        </p:nvCxnSpPr>
+        <p:spPr>
+          <a:xfrm>
+            <a:off x="9723058" y="18513354"/>
+            <a:ext cx="3491498" cy="0"/>
+          </a:xfrm>
+          <a:prstGeom prst="line">
+            <a:avLst/>
+          </a:prstGeom>
+          <a:ln w="152400">
+            <a:solidFill>
+              <a:srgbClr val="BA8CDC"/>
+            </a:solidFill>
+            <a:headEnd type="none" w="med" len="med"/>
+            <a:tailEnd type="triangle" w="med" len="med"/>
+          </a:ln>
+        </p:spPr>
+        <p:style>
+          <a:lnRef idx="1">
+            <a:schemeClr val="accent1"/>
+          </a:lnRef>
+          <a:fillRef idx="0">
+            <a:schemeClr val="accent1"/>
+          </a:fillRef>
+          <a:effectRef idx="0">
+            <a:schemeClr val="accent1"/>
+          </a:effectRef>
+          <a:fontRef idx="minor">
+            <a:schemeClr val="tx1"/>
+          </a:fontRef>
+        </p:style>
+      </p:cxnSp>
+      <p:cxnSp>
+        <p:nvCxnSpPr>
+          <p:cNvPr id="44" name="Straight Connector 43">
+            <a:extLst>
+              <a:ext uri="{FF2B5EF4-FFF2-40B4-BE49-F238E27FC236}">
+                <a16:creationId xmlns:a16="http://schemas.microsoft.com/office/drawing/2014/main" id="{388CB660-BEEF-4979-A486-F2FDDF3EE38F}"/>
+              </a:ext>
+            </a:extLst>
+          </p:cNvPr>
+          <p:cNvCxnSpPr>
+            <a:cxnSpLocks/>
+          </p:cNvCxnSpPr>
+          <p:nvPr/>
+        </p:nvCxnSpPr>
+        <p:spPr>
+          <a:xfrm>
+            <a:off x="10174338" y="20230696"/>
+            <a:ext cx="886952" cy="0"/>
+          </a:xfrm>
+          <a:prstGeom prst="line">
+            <a:avLst/>
+          </a:prstGeom>
+          <a:ln w="152400">
+            <a:solidFill>
+              <a:srgbClr val="BA8CDC"/>
+            </a:solidFill>
+            <a:headEnd type="none" w="med" len="med"/>
+            <a:tailEnd type="triangle" w="med" len="med"/>
+          </a:ln>
+        </p:spPr>
+        <p:style>
+          <a:lnRef idx="1">
+            <a:schemeClr val="accent1"/>
+          </a:lnRef>
+          <a:fillRef idx="0">
+            <a:schemeClr val="accent1"/>
+          </a:fillRef>
+          <a:effectRef idx="0">
+            <a:schemeClr val="accent1"/>
+          </a:effectRef>
+          <a:fontRef idx="minor">
+            <a:schemeClr val="tx1"/>
+          </a:fontRef>
+        </p:style>
+      </p:cxnSp>
+      <p:sp>
+        <p:nvSpPr>
+          <p:cNvPr id="46" name="Oval 45">
+            <a:extLst>
+              <a:ext uri="{FF2B5EF4-FFF2-40B4-BE49-F238E27FC236}">
+                <a16:creationId xmlns:a16="http://schemas.microsoft.com/office/drawing/2014/main" id="{6BF7EA27-4EB0-4738-9B80-4B938B95D394}"/>
+              </a:ext>
+            </a:extLst>
+          </p:cNvPr>
+          <p:cNvSpPr/>
+          <p:nvPr/>
+        </p:nvSpPr>
+        <p:spPr>
+          <a:xfrm>
+            <a:off x="13126065" y="14543521"/>
+            <a:ext cx="587627" cy="592468"/>
+          </a:xfrm>
+          <a:prstGeom prst="ellipse">
+            <a:avLst/>
+          </a:prstGeom>
+        </p:spPr>
+        <p:style>
+          <a:lnRef idx="2">
+            <a:schemeClr val="accent1">
+              <a:shade val="50000"/>
+            </a:schemeClr>
+          </a:lnRef>
+          <a:fillRef idx="1">
+            <a:schemeClr val="accent1"/>
+          </a:fillRef>
+          <a:effectRef idx="0">
+            <a:schemeClr val="accent1"/>
+          </a:effectRef>
+          <a:fontRef idx="minor">
+            <a:schemeClr val="lt1"/>
+          </a:fontRef>
+        </p:style>
+        <p:txBody>
+          <a:bodyPr rtlCol="0" anchor="ctr"/>
+          <a:lstStyle/>
+          <a:p>
+            <a:pPr algn="ctr"/>
+            <a:endParaRPr lang="en-US"/>
+          </a:p>
+        </p:txBody>
+      </p:sp>
+      <p:sp>
+        <p:nvSpPr>
+          <p:cNvPr id="47" name="Oval 46">
+            <a:extLst>
+              <a:ext uri="{FF2B5EF4-FFF2-40B4-BE49-F238E27FC236}">
+                <a16:creationId xmlns:a16="http://schemas.microsoft.com/office/drawing/2014/main" id="{B1B0AED3-DD5A-41FC-99BB-E697529C4CBA}"/>
+              </a:ext>
+            </a:extLst>
+          </p:cNvPr>
+          <p:cNvSpPr/>
+          <p:nvPr/>
+        </p:nvSpPr>
+        <p:spPr>
+          <a:xfrm>
+            <a:off x="8498919" y="14543521"/>
+            <a:ext cx="587627" cy="592468"/>
+          </a:xfrm>
+          <a:prstGeom prst="ellipse">
+            <a:avLst/>
+          </a:prstGeom>
+        </p:spPr>
+        <p:style>
+          <a:lnRef idx="2">
+            <a:schemeClr val="accent1">
+              <a:shade val="50000"/>
+            </a:schemeClr>
+          </a:lnRef>
+          <a:fillRef idx="1">
+            <a:schemeClr val="accent1"/>
+          </a:fillRef>
+          <a:effectRef idx="0">
+            <a:schemeClr val="accent1"/>
+          </a:effectRef>
+          <a:fontRef idx="minor">
+            <a:schemeClr val="lt1"/>
+          </a:fontRef>
+        </p:style>
+        <p:txBody>
+          <a:bodyPr rtlCol="0" anchor="ctr"/>
+          <a:lstStyle/>
+          <a:p>
+            <a:pPr algn="ctr"/>
+            <a:endParaRPr lang="en-US"/>
+          </a:p>
+        </p:txBody>
+      </p:sp>
+    </p:spTree>
+    <p:extLst>
+      <p:ext uri="{BB962C8B-B14F-4D97-AF65-F5344CB8AC3E}">
+        <p14:creationId xmlns:p14="http://schemas.microsoft.com/office/powerpoint/2010/main" val="1187350788"/>
+      </p:ext>
+    </p:extLst>
+  </p:cSld>
+  <p:clrMapOvr>
+    <a:masterClrMapping/>
+  </p:clrMapOvr>
+</p:sld>
+</file>
+
 <file path=ppt/theme/theme1.xml><?xml version="1.0" encoding="utf-8"?>
 <a:theme xmlns:a="http://schemas.openxmlformats.org/drawingml/2006/main" name="Office Theme">
   <a:themeElements>
